--- a/Ishita/BestBuy.pptx
+++ b/Ishita/BestBuy.pptx
@@ -5,7 +5,7 @@
     <p:sldMasterId id="2147483696" r:id="rId1"/>
   </p:sldMasterIdLst>
   <p:notesMasterIdLst>
-    <p:notesMasterId r:id="rId10"/>
+    <p:notesMasterId r:id="rId18"/>
   </p:notesMasterIdLst>
   <p:sldIdLst>
     <p:sldId id="256" r:id="rId2"/>
@@ -14,8 +14,16 @@
     <p:sldId id="258" r:id="rId5"/>
     <p:sldId id="259" r:id="rId6"/>
     <p:sldId id="260" r:id="rId7"/>
-    <p:sldId id="261" r:id="rId8"/>
-    <p:sldId id="264" r:id="rId9"/>
+    <p:sldId id="265" r:id="rId8"/>
+    <p:sldId id="266" r:id="rId9"/>
+    <p:sldId id="267" r:id="rId10"/>
+    <p:sldId id="268" r:id="rId11"/>
+    <p:sldId id="269" r:id="rId12"/>
+    <p:sldId id="270" r:id="rId13"/>
+    <p:sldId id="271" r:id="rId14"/>
+    <p:sldId id="272" r:id="rId15"/>
+    <p:sldId id="261" r:id="rId16"/>
+    <p:sldId id="264" r:id="rId17"/>
   </p:sldIdLst>
   <p:sldSz cx="12192000" cy="6858000"/>
   <p:notesSz cx="6858000" cy="9144000"/>
@@ -204,7 +212,7 @@
           <a:p>
             <a:fld id="{28E8C820-0967-E846-BA81-8967F2F7163D}" type="datetimeFigureOut">
               <a:rPr lang="en-US" smtClean="0"/>
-              <a:t>8/3/2023</a:t>
+              <a:t>8/3/23</a:t>
             </a:fld>
             <a:endParaRPr lang="en-US"/>
           </a:p>
@@ -713,7 +721,7 @@
           <a:p>
             <a:fld id="{E0703A55-4804-C745-AE9A-57701EF14D3E}" type="datetimeFigureOut">
               <a:rPr lang="en-US" smtClean="0"/>
-              <a:t>8/3/2023</a:t>
+              <a:t>8/3/23</a:t>
             </a:fld>
             <a:endParaRPr lang="en-US"/>
           </a:p>
@@ -895,7 +903,7 @@
           <a:p>
             <a:fld id="{E0703A55-4804-C745-AE9A-57701EF14D3E}" type="datetimeFigureOut">
               <a:rPr lang="en-US" smtClean="0"/>
-              <a:t>8/3/2023</a:t>
+              <a:t>8/3/23</a:t>
             </a:fld>
             <a:endParaRPr lang="en-US"/>
           </a:p>
@@ -1087,7 +1095,7 @@
           <a:p>
             <a:fld id="{E0703A55-4804-C745-AE9A-57701EF14D3E}" type="datetimeFigureOut">
               <a:rPr lang="en-US" smtClean="0"/>
-              <a:t>8/3/2023</a:t>
+              <a:t>8/3/23</a:t>
             </a:fld>
             <a:endParaRPr lang="en-US"/>
           </a:p>
@@ -1269,7 +1277,7 @@
           <a:p>
             <a:fld id="{E0703A55-4804-C745-AE9A-57701EF14D3E}" type="datetimeFigureOut">
               <a:rPr lang="en-US" smtClean="0"/>
-              <a:t>8/3/2023</a:t>
+              <a:t>8/3/23</a:t>
             </a:fld>
             <a:endParaRPr lang="en-US"/>
           </a:p>
@@ -1541,7 +1549,7 @@
           <a:p>
             <a:fld id="{E0703A55-4804-C745-AE9A-57701EF14D3E}" type="datetimeFigureOut">
               <a:rPr lang="en-US" smtClean="0"/>
-              <a:t>8/3/2023</a:t>
+              <a:t>8/3/23</a:t>
             </a:fld>
             <a:endParaRPr lang="en-US"/>
           </a:p>
@@ -1785,7 +1793,7 @@
           <a:p>
             <a:fld id="{E0703A55-4804-C745-AE9A-57701EF14D3E}" type="datetimeFigureOut">
               <a:rPr lang="en-US" smtClean="0"/>
-              <a:t>8/3/2023</a:t>
+              <a:t>8/3/23</a:t>
             </a:fld>
             <a:endParaRPr lang="en-US"/>
           </a:p>
@@ -2152,7 +2160,7 @@
           <a:p>
             <a:fld id="{E0703A55-4804-C745-AE9A-57701EF14D3E}" type="datetimeFigureOut">
               <a:rPr lang="en-US" smtClean="0"/>
-              <a:t>8/3/2023</a:t>
+              <a:t>8/3/23</a:t>
             </a:fld>
             <a:endParaRPr lang="en-US"/>
           </a:p>
@@ -2305,7 +2313,7 @@
           <a:p>
             <a:fld id="{E0703A55-4804-C745-AE9A-57701EF14D3E}" type="datetimeFigureOut">
               <a:rPr lang="en-US" smtClean="0"/>
-              <a:t>8/3/2023</a:t>
+              <a:t>8/3/23</a:t>
             </a:fld>
             <a:endParaRPr lang="en-US"/>
           </a:p>
@@ -2412,7 +2420,7 @@
           <a:p>
             <a:fld id="{E0703A55-4804-C745-AE9A-57701EF14D3E}" type="datetimeFigureOut">
               <a:rPr lang="en-US" smtClean="0"/>
-              <a:t>8/3/2023</a:t>
+              <a:t>8/3/23</a:t>
             </a:fld>
             <a:endParaRPr lang="en-US"/>
           </a:p>
@@ -2781,7 +2789,7 @@
           <a:p>
             <a:fld id="{E0703A55-4804-C745-AE9A-57701EF14D3E}" type="datetimeFigureOut">
               <a:rPr lang="en-US" smtClean="0"/>
-              <a:t>8/3/2023</a:t>
+              <a:t>8/3/23</a:t>
             </a:fld>
             <a:endParaRPr lang="en-US"/>
           </a:p>
@@ -3150,7 +3158,7 @@
           <a:p>
             <a:fld id="{E0703A55-4804-C745-AE9A-57701EF14D3E}" type="datetimeFigureOut">
               <a:rPr lang="en-US" smtClean="0"/>
-              <a:t>8/3/2023</a:t>
+              <a:t>8/3/23</a:t>
             </a:fld>
             <a:endParaRPr lang="en-US"/>
           </a:p>
@@ -3409,7 +3417,7 @@
           <a:p>
             <a:fld id="{E0703A55-4804-C745-AE9A-57701EF14D3E}" type="datetimeFigureOut">
               <a:rPr lang="en-US" smtClean="0"/>
-              <a:t>8/3/2023</a:t>
+              <a:t>8/3/23</a:t>
             </a:fld>
             <a:endParaRPr lang="en-US"/>
           </a:p>
@@ -4087,6 +4095,1351 @@
 </p:sld>
 </file>
 
+<file path=ppt/slides/slide10.xml><?xml version="1.0" encoding="utf-8"?>
+<p:sld xmlns:a="http://schemas.openxmlformats.org/drawingml/2006/main" xmlns:r="http://schemas.openxmlformats.org/officeDocument/2006/relationships" xmlns:p="http://schemas.openxmlformats.org/presentationml/2006/main">
+  <p:cSld>
+    <p:bg>
+      <p:bgPr>
+        <a:solidFill>
+          <a:srgbClr val="E3E200"/>
+        </a:solidFill>
+        <a:effectLst/>
+      </p:bgPr>
+    </p:bg>
+    <p:spTree>
+      <p:nvGrpSpPr>
+        <p:cNvPr id="1" name=""/>
+        <p:cNvGrpSpPr/>
+        <p:nvPr/>
+      </p:nvGrpSpPr>
+      <p:grpSpPr>
+        <a:xfrm>
+          <a:off x="0" y="0"/>
+          <a:ext cx="0" cy="0"/>
+          <a:chOff x="0" y="0"/>
+          <a:chExt cx="0" cy="0"/>
+        </a:xfrm>
+      </p:grpSpPr>
+      <p:sp>
+        <p:nvSpPr>
+          <p:cNvPr id="3" name="Content Placeholder 2">
+            <a:extLst>
+              <a:ext uri="{FF2B5EF4-FFF2-40B4-BE49-F238E27FC236}">
+                <a16:creationId xmlns:a16="http://schemas.microsoft.com/office/drawing/2014/main" id="{9B14C9E4-20D1-8B05-C6B7-D14F091733CD}"/>
+              </a:ext>
+            </a:extLst>
+          </p:cNvPr>
+          <p:cNvSpPr>
+            <a:spLocks noGrp="1"/>
+          </p:cNvSpPr>
+          <p:nvPr>
+            <p:ph idx="1"/>
+          </p:nvPr>
+        </p:nvSpPr>
+        <p:spPr>
+          <a:xfrm>
+            <a:off x="642936" y="1850232"/>
+            <a:ext cx="3871914" cy="3157536"/>
+          </a:xfrm>
+        </p:spPr>
+        <p:txBody>
+          <a:bodyPr/>
+          <a:lstStyle/>
+          <a:p>
+            <a:r>
+              <a:rPr lang="en-CA" sz="1800" dirty="0">
+                <a:solidFill>
+                  <a:srgbClr val="12151B"/>
+                </a:solidFill>
+                <a:effectLst/>
+                <a:latin typeface="Roboto" panose="02000000000000000000" pitchFamily="2" charset="0"/>
+                <a:ea typeface="Calibri" panose="020F0502020204030204" pitchFamily="34" charset="0"/>
+                <a:cs typeface="Mangal" panose="02040503050203030202" pitchFamily="18" charset="0"/>
+              </a:rPr>
+              <a:t>This is a scatter plot matrix, in which we compare price, discount and reviews with respect to the size of the tv. Most of the products, have discount scattered all over. Discount is not important feature and it is visible through this graph based on how it is positioned.</a:t>
+            </a:r>
+            <a:endParaRPr lang="en-CA" sz="1800" dirty="0">
+              <a:effectLst/>
+              <a:latin typeface="Calibri" panose="020F0502020204030204" pitchFamily="34" charset="0"/>
+              <a:ea typeface="Calibri" panose="020F0502020204030204" pitchFamily="34" charset="0"/>
+              <a:cs typeface="Mangal" panose="02040503050203030202" pitchFamily="18" charset="0"/>
+            </a:endParaRPr>
+          </a:p>
+          <a:p>
+            <a:endParaRPr lang="en-US" dirty="0"/>
+          </a:p>
+        </p:txBody>
+      </p:sp>
+      <p:pic>
+        <p:nvPicPr>
+          <p:cNvPr id="4" name="Picture 3">
+            <a:extLst>
+              <a:ext uri="{FF2B5EF4-FFF2-40B4-BE49-F238E27FC236}">
+                <a16:creationId xmlns:a16="http://schemas.microsoft.com/office/drawing/2014/main" id="{F7744893-ADAE-DFA7-09FC-40DA47BA30D0}"/>
+              </a:ext>
+            </a:extLst>
+          </p:cNvPr>
+          <p:cNvPicPr>
+            <a:picLocks noChangeAspect="1"/>
+          </p:cNvPicPr>
+          <p:nvPr/>
+        </p:nvPicPr>
+        <p:blipFill>
+          <a:blip r:embed="rId2">
+            <a:extLst>
+              <a:ext uri="{28A0092B-C50C-407E-A947-70E740481C1C}">
+                <a14:useLocalDpi xmlns:a14="http://schemas.microsoft.com/office/drawing/2010/main" val="0"/>
+              </a:ext>
+            </a:extLst>
+          </a:blip>
+          <a:srcRect/>
+          <a:stretch>
+            <a:fillRect/>
+          </a:stretch>
+        </p:blipFill>
+        <p:spPr bwMode="auto">
+          <a:xfrm>
+            <a:off x="5562284" y="762634"/>
+            <a:ext cx="5986780" cy="4980940"/>
+          </a:xfrm>
+          <a:prstGeom prst="rect">
+            <a:avLst/>
+          </a:prstGeom>
+          <a:noFill/>
+        </p:spPr>
+      </p:pic>
+    </p:spTree>
+    <p:extLst>
+      <p:ext uri="{BB962C8B-B14F-4D97-AF65-F5344CB8AC3E}">
+        <p14:creationId xmlns:p14="http://schemas.microsoft.com/office/powerpoint/2010/main" val="236491980"/>
+      </p:ext>
+    </p:extLst>
+  </p:cSld>
+  <p:clrMapOvr>
+    <a:masterClrMapping/>
+  </p:clrMapOvr>
+  <mc:AlternateContent xmlns:mc="http://schemas.openxmlformats.org/markup-compatibility/2006" xmlns:p159="http://schemas.microsoft.com/office/powerpoint/2015/09/main">
+    <mc:Choice Requires="p159">
+      <p:transition xmlns:p14="http://schemas.microsoft.com/office/powerpoint/2010/main" spd="slow" p14:dur="2000">
+        <p159:morph option="byObject"/>
+      </p:transition>
+    </mc:Choice>
+    <mc:Fallback xmlns="">
+      <p:transition spd="slow">
+        <p:fade/>
+      </p:transition>
+    </mc:Fallback>
+  </mc:AlternateContent>
+</p:sld>
+</file>
+
+<file path=ppt/slides/slide11.xml><?xml version="1.0" encoding="utf-8"?>
+<p:sld xmlns:a="http://schemas.openxmlformats.org/drawingml/2006/main" xmlns:r="http://schemas.openxmlformats.org/officeDocument/2006/relationships" xmlns:p="http://schemas.openxmlformats.org/presentationml/2006/main">
+  <p:cSld>
+    <p:bg>
+      <p:bgPr>
+        <a:solidFill>
+          <a:srgbClr val="00308F"/>
+        </a:solidFill>
+        <a:effectLst/>
+      </p:bgPr>
+    </p:bg>
+    <p:spTree>
+      <p:nvGrpSpPr>
+        <p:cNvPr id="1" name=""/>
+        <p:cNvGrpSpPr/>
+        <p:nvPr/>
+      </p:nvGrpSpPr>
+      <p:grpSpPr>
+        <a:xfrm>
+          <a:off x="0" y="0"/>
+          <a:ext cx="0" cy="0"/>
+          <a:chOff x="0" y="0"/>
+          <a:chExt cx="0" cy="0"/>
+        </a:xfrm>
+      </p:grpSpPr>
+      <p:sp>
+        <p:nvSpPr>
+          <p:cNvPr id="9" name="Rectangle 8">
+            <a:extLst>
+              <a:ext uri="{FF2B5EF4-FFF2-40B4-BE49-F238E27FC236}">
+                <a16:creationId xmlns:a16="http://schemas.microsoft.com/office/drawing/2014/main" id="{0358FD32-AA91-47A4-9758-8C172B30665A}"/>
+              </a:ext>
+              <a:ext uri="{C183D7F6-B498-43B3-948B-1728B52AA6E4}">
+                <adec:decorative xmlns:adec="http://schemas.microsoft.com/office/drawing/2017/decorative" val="1"/>
+              </a:ext>
+            </a:extLst>
+          </p:cNvPr>
+          <p:cNvSpPr>
+            <a:spLocks noGrp="1" noRot="1" noChangeAspect="1" noMove="1" noResize="1" noEditPoints="1" noAdjustHandles="1" noChangeArrowheads="1" noChangeShapeType="1" noTextEdit="1"/>
+          </p:cNvSpPr>
+          <p:nvPr>
+            <p:extLst>
+              <p:ext uri="{386F3935-93C4-4BCD-93E2-E3B085C9AB24}">
+                <p16:designElem xmlns:p16="http://schemas.microsoft.com/office/powerpoint/2015/main" val="1"/>
+              </p:ext>
+            </p:extLst>
+          </p:nvPr>
+        </p:nvSpPr>
+        <p:spPr>
+          <a:xfrm>
+            <a:off x="814795" y="964692"/>
+            <a:ext cx="6885432" cy="4936558"/>
+          </a:xfrm>
+          <a:prstGeom prst="rect">
+            <a:avLst/>
+          </a:prstGeom>
+          <a:noFill/>
+          <a:ln w="31750" cap="sq">
+            <a:solidFill>
+              <a:srgbClr val="FFFFFF"/>
+            </a:solidFill>
+            <a:miter lim="800000"/>
+          </a:ln>
+        </p:spPr>
+        <p:style>
+          <a:lnRef idx="2">
+            <a:schemeClr val="accent1">
+              <a:shade val="50000"/>
+            </a:schemeClr>
+          </a:lnRef>
+          <a:fillRef idx="1">
+            <a:schemeClr val="accent1"/>
+          </a:fillRef>
+          <a:effectRef idx="0">
+            <a:schemeClr val="accent1"/>
+          </a:effectRef>
+          <a:fontRef idx="minor">
+            <a:schemeClr val="lt1"/>
+          </a:fontRef>
+        </p:style>
+        <p:txBody>
+          <a:bodyPr rtlCol="0" anchor="ctr"/>
+          <a:lstStyle/>
+          <a:p>
+            <a:pPr algn="ctr"/>
+            <a:endParaRPr lang="en-US" dirty="0"/>
+          </a:p>
+        </p:txBody>
+      </p:sp>
+      <p:sp>
+        <p:nvSpPr>
+          <p:cNvPr id="11" name="Rectangle 10">
+            <a:extLst>
+              <a:ext uri="{FF2B5EF4-FFF2-40B4-BE49-F238E27FC236}">
+                <a16:creationId xmlns:a16="http://schemas.microsoft.com/office/drawing/2014/main" id="{86B5B18B-0170-4F1B-BF40-89BD5772C006}"/>
+              </a:ext>
+              <a:ext uri="{C183D7F6-B498-43B3-948B-1728B52AA6E4}">
+                <adec:decorative xmlns:adec="http://schemas.microsoft.com/office/drawing/2017/decorative" val="1"/>
+              </a:ext>
+            </a:extLst>
+          </p:cNvPr>
+          <p:cNvSpPr>
+            <a:spLocks noGrp="1" noRot="1" noChangeAspect="1" noMove="1" noResize="1" noEditPoints="1" noAdjustHandles="1" noChangeArrowheads="1" noChangeShapeType="1" noTextEdit="1"/>
+          </p:cNvSpPr>
+          <p:nvPr>
+            <p:extLst>
+              <p:ext uri="{386F3935-93C4-4BCD-93E2-E3B085C9AB24}">
+                <p16:designElem xmlns:p16="http://schemas.microsoft.com/office/powerpoint/2015/main" val="1"/>
+              </p:ext>
+            </p:extLst>
+          </p:nvPr>
+        </p:nvSpPr>
+        <p:spPr>
+          <a:xfrm>
+            <a:off x="978415" y="1128683"/>
+            <a:ext cx="6558192" cy="4608576"/>
+          </a:xfrm>
+          <a:prstGeom prst="rect">
+            <a:avLst/>
+          </a:prstGeom>
+          <a:solidFill>
+            <a:srgbClr val="FFFFFF"/>
+          </a:solidFill>
+          <a:ln>
+            <a:noFill/>
+          </a:ln>
+        </p:spPr>
+        <p:style>
+          <a:lnRef idx="2">
+            <a:schemeClr val="accent1">
+              <a:shade val="50000"/>
+            </a:schemeClr>
+          </a:lnRef>
+          <a:fillRef idx="1">
+            <a:schemeClr val="accent1"/>
+          </a:fillRef>
+          <a:effectRef idx="0">
+            <a:schemeClr val="accent1"/>
+          </a:effectRef>
+          <a:fontRef idx="minor">
+            <a:schemeClr val="lt1"/>
+          </a:fontRef>
+        </p:style>
+        <p:txBody>
+          <a:bodyPr rtlCol="0" anchor="ctr"/>
+          <a:lstStyle/>
+          <a:p>
+            <a:pPr algn="ctr"/>
+            <a:endParaRPr lang="en-US"/>
+          </a:p>
+        </p:txBody>
+      </p:sp>
+      <p:pic>
+        <p:nvPicPr>
+          <p:cNvPr id="4" name="Picture 3" descr="A graph with a blue line&#10;&#10;Description automatically generated">
+            <a:extLst>
+              <a:ext uri="{FF2B5EF4-FFF2-40B4-BE49-F238E27FC236}">
+                <a16:creationId xmlns:a16="http://schemas.microsoft.com/office/drawing/2014/main" id="{4EF232A7-1E64-288B-A779-3E012395A726}"/>
+              </a:ext>
+            </a:extLst>
+          </p:cNvPr>
+          <p:cNvPicPr>
+            <a:picLocks noChangeAspect="1"/>
+          </p:cNvPicPr>
+          <p:nvPr/>
+        </p:nvPicPr>
+        <p:blipFill>
+          <a:blip r:embed="rId2"/>
+          <a:stretch>
+            <a:fillRect/>
+          </a:stretch>
+        </p:blipFill>
+        <p:spPr>
+          <a:xfrm>
+            <a:off x="1387187" y="1293275"/>
+            <a:ext cx="5740647" cy="4279392"/>
+          </a:xfrm>
+          <a:prstGeom prst="rect">
+            <a:avLst/>
+          </a:prstGeom>
+        </p:spPr>
+      </p:pic>
+      <p:sp>
+        <p:nvSpPr>
+          <p:cNvPr id="3" name="Content Placeholder 2">
+            <a:extLst>
+              <a:ext uri="{FF2B5EF4-FFF2-40B4-BE49-F238E27FC236}">
+                <a16:creationId xmlns:a16="http://schemas.microsoft.com/office/drawing/2014/main" id="{5604A74A-9B75-4FC4-2920-FA40B94A3CCC}"/>
+              </a:ext>
+            </a:extLst>
+          </p:cNvPr>
+          <p:cNvSpPr>
+            <a:spLocks noGrp="1"/>
+          </p:cNvSpPr>
+          <p:nvPr>
+            <p:ph idx="1"/>
+          </p:nvPr>
+        </p:nvSpPr>
+        <p:spPr>
+          <a:xfrm>
+            <a:off x="8313440" y="1797397"/>
+            <a:ext cx="3063765" cy="3174653"/>
+          </a:xfrm>
+        </p:spPr>
+        <p:txBody>
+          <a:bodyPr>
+            <a:normAutofit/>
+          </a:bodyPr>
+          <a:lstStyle/>
+          <a:p>
+            <a:r>
+              <a:rPr lang="en-US" dirty="0"/>
+              <a:t>We chose the 6 which was optimal by using the elbow method.</a:t>
+            </a:r>
+          </a:p>
+          <a:p>
+            <a:r>
+              <a:rPr lang="en-US" dirty="0"/>
+              <a:t>Cluster basically enhances the model. we chose 6 as in this graph, 6 is the optimal number we can choose. The visual suggests the slope providing a better value to split.</a:t>
+            </a:r>
+          </a:p>
+          <a:p>
+            <a:endParaRPr lang="en-US" dirty="0"/>
+          </a:p>
+        </p:txBody>
+      </p:sp>
+    </p:spTree>
+    <p:extLst>
+      <p:ext uri="{BB962C8B-B14F-4D97-AF65-F5344CB8AC3E}">
+        <p14:creationId xmlns:p14="http://schemas.microsoft.com/office/powerpoint/2010/main" val="2800364724"/>
+      </p:ext>
+    </p:extLst>
+  </p:cSld>
+  <p:clrMapOvr>
+    <a:masterClrMapping/>
+  </p:clrMapOvr>
+  <mc:AlternateContent xmlns:mc="http://schemas.openxmlformats.org/markup-compatibility/2006" xmlns:p159="http://schemas.microsoft.com/office/powerpoint/2015/09/main">
+    <mc:Choice Requires="p159">
+      <p:transition xmlns:p14="http://schemas.microsoft.com/office/powerpoint/2010/main" spd="slow" p14:dur="2000">
+        <p159:morph option="byObject"/>
+      </p:transition>
+    </mc:Choice>
+    <mc:Fallback xmlns="">
+      <p:transition spd="slow">
+        <p:fade/>
+      </p:transition>
+    </mc:Fallback>
+  </mc:AlternateContent>
+</p:sld>
+</file>
+
+<file path=ppt/slides/slide12.xml><?xml version="1.0" encoding="utf-8"?>
+<p:sld xmlns:a="http://schemas.openxmlformats.org/drawingml/2006/main" xmlns:r="http://schemas.openxmlformats.org/officeDocument/2006/relationships" xmlns:p="http://schemas.openxmlformats.org/presentationml/2006/main">
+  <p:cSld>
+    <p:bg>
+      <p:bgPr>
+        <a:solidFill>
+          <a:srgbClr val="E3E200"/>
+        </a:solidFill>
+        <a:effectLst/>
+      </p:bgPr>
+    </p:bg>
+    <p:spTree>
+      <p:nvGrpSpPr>
+        <p:cNvPr id="1" name=""/>
+        <p:cNvGrpSpPr/>
+        <p:nvPr/>
+      </p:nvGrpSpPr>
+      <p:grpSpPr>
+        <a:xfrm>
+          <a:off x="0" y="0"/>
+          <a:ext cx="0" cy="0"/>
+          <a:chOff x="0" y="0"/>
+          <a:chExt cx="0" cy="0"/>
+        </a:xfrm>
+      </p:grpSpPr>
+      <p:sp>
+        <p:nvSpPr>
+          <p:cNvPr id="3" name="Content Placeholder 2">
+            <a:extLst>
+              <a:ext uri="{FF2B5EF4-FFF2-40B4-BE49-F238E27FC236}">
+                <a16:creationId xmlns:a16="http://schemas.microsoft.com/office/drawing/2014/main" id="{88448E2E-B64A-ACEB-C115-71ABA23F9880}"/>
+              </a:ext>
+            </a:extLst>
+          </p:cNvPr>
+          <p:cNvSpPr>
+            <a:spLocks noGrp="1"/>
+          </p:cNvSpPr>
+          <p:nvPr>
+            <p:ph idx="1"/>
+          </p:nvPr>
+        </p:nvSpPr>
+        <p:spPr>
+          <a:xfrm>
+            <a:off x="785811" y="2665488"/>
+            <a:ext cx="3743325" cy="1733287"/>
+          </a:xfrm>
+        </p:spPr>
+        <p:txBody>
+          <a:bodyPr/>
+          <a:lstStyle/>
+          <a:p>
+            <a:r>
+              <a:rPr lang="en-CA" sz="1800" dirty="0">
+                <a:solidFill>
+                  <a:srgbClr val="12151B"/>
+                </a:solidFill>
+                <a:effectLst/>
+                <a:latin typeface="Roboto" panose="02000000000000000000" pitchFamily="2" charset="0"/>
+                <a:ea typeface="Calibri" panose="020F0502020204030204" pitchFamily="34" charset="0"/>
+                <a:cs typeface="Mangal" panose="02040503050203030202" pitchFamily="18" charset="0"/>
+              </a:rPr>
+              <a:t>This plot is just depicting, how the tv type and price is behaving when we group them with clusters, and it isn't overlapping so its optimal.</a:t>
+            </a:r>
+            <a:endParaRPr lang="en-CA" sz="1800" dirty="0">
+              <a:effectLst/>
+              <a:latin typeface="Calibri" panose="020F0502020204030204" pitchFamily="34" charset="0"/>
+              <a:ea typeface="Calibri" panose="020F0502020204030204" pitchFamily="34" charset="0"/>
+              <a:cs typeface="Mangal" panose="02040503050203030202" pitchFamily="18" charset="0"/>
+            </a:endParaRPr>
+          </a:p>
+          <a:p>
+            <a:endParaRPr lang="en-US" dirty="0"/>
+          </a:p>
+        </p:txBody>
+      </p:sp>
+      <p:pic>
+        <p:nvPicPr>
+          <p:cNvPr id="4" name="Picture 3">
+            <a:extLst>
+              <a:ext uri="{FF2B5EF4-FFF2-40B4-BE49-F238E27FC236}">
+                <a16:creationId xmlns:a16="http://schemas.microsoft.com/office/drawing/2014/main" id="{921DE636-3B8D-7282-DDAA-EEA12694CCA5}"/>
+              </a:ext>
+            </a:extLst>
+          </p:cNvPr>
+          <p:cNvPicPr>
+            <a:picLocks noChangeAspect="1"/>
+          </p:cNvPicPr>
+          <p:nvPr/>
+        </p:nvPicPr>
+        <p:blipFill>
+          <a:blip r:embed="rId2"/>
+          <a:stretch>
+            <a:fillRect/>
+          </a:stretch>
+        </p:blipFill>
+        <p:spPr>
+          <a:xfrm>
+            <a:off x="4897437" y="1073336"/>
+            <a:ext cx="6781916" cy="4711328"/>
+          </a:xfrm>
+          <a:prstGeom prst="rect">
+            <a:avLst/>
+          </a:prstGeom>
+        </p:spPr>
+      </p:pic>
+    </p:spTree>
+    <p:extLst>
+      <p:ext uri="{BB962C8B-B14F-4D97-AF65-F5344CB8AC3E}">
+        <p14:creationId xmlns:p14="http://schemas.microsoft.com/office/powerpoint/2010/main" val="1884246370"/>
+      </p:ext>
+    </p:extLst>
+  </p:cSld>
+  <p:clrMapOvr>
+    <a:masterClrMapping/>
+  </p:clrMapOvr>
+  <mc:AlternateContent xmlns:mc="http://schemas.openxmlformats.org/markup-compatibility/2006" xmlns:p159="http://schemas.microsoft.com/office/powerpoint/2015/09/main">
+    <mc:Choice Requires="p159">
+      <p:transition xmlns:p14="http://schemas.microsoft.com/office/powerpoint/2010/main" spd="slow" p14:dur="2000">
+        <p159:morph option="byObject"/>
+      </p:transition>
+    </mc:Choice>
+    <mc:Fallback xmlns="">
+      <p:transition spd="slow">
+        <p:fade/>
+      </p:transition>
+    </mc:Fallback>
+  </mc:AlternateContent>
+</p:sld>
+</file>
+
+<file path=ppt/slides/slide13.xml><?xml version="1.0" encoding="utf-8"?>
+<p:sld xmlns:a="http://schemas.openxmlformats.org/drawingml/2006/main" xmlns:r="http://schemas.openxmlformats.org/officeDocument/2006/relationships" xmlns:p="http://schemas.openxmlformats.org/presentationml/2006/main">
+  <p:cSld>
+    <p:bg>
+      <p:bgPr>
+        <a:solidFill>
+          <a:srgbClr val="00308F"/>
+        </a:solidFill>
+        <a:effectLst/>
+      </p:bgPr>
+    </p:bg>
+    <p:spTree>
+      <p:nvGrpSpPr>
+        <p:cNvPr id="1" name=""/>
+        <p:cNvGrpSpPr/>
+        <p:nvPr/>
+      </p:nvGrpSpPr>
+      <p:grpSpPr>
+        <a:xfrm>
+          <a:off x="0" y="0"/>
+          <a:ext cx="0" cy="0"/>
+          <a:chOff x="0" y="0"/>
+          <a:chExt cx="0" cy="0"/>
+        </a:xfrm>
+      </p:grpSpPr>
+      <p:sp>
+        <p:nvSpPr>
+          <p:cNvPr id="2" name="Title 1">
+            <a:extLst>
+              <a:ext uri="{FF2B5EF4-FFF2-40B4-BE49-F238E27FC236}">
+                <a16:creationId xmlns:a16="http://schemas.microsoft.com/office/drawing/2014/main" id="{4AA13A89-F542-C593-7D13-847FDF0897B4}"/>
+              </a:ext>
+            </a:extLst>
+          </p:cNvPr>
+          <p:cNvSpPr>
+            <a:spLocks noGrp="1"/>
+          </p:cNvSpPr>
+          <p:nvPr>
+            <p:ph type="title"/>
+          </p:nvPr>
+        </p:nvSpPr>
+        <p:spPr>
+          <a:xfrm>
+            <a:off x="8312677" y="964692"/>
+            <a:ext cx="3066937" cy="1188720"/>
+          </a:xfrm>
+        </p:spPr>
+        <p:txBody>
+          <a:bodyPr>
+            <a:normAutofit/>
+          </a:bodyPr>
+          <a:lstStyle/>
+          <a:p>
+            <a:r>
+              <a:rPr lang="en-US" sz="2600"/>
+              <a:t>Use of Decision Tree</a:t>
+            </a:r>
+          </a:p>
+        </p:txBody>
+      </p:sp>
+      <p:sp>
+        <p:nvSpPr>
+          <p:cNvPr id="10" name="Rectangle 9">
+            <a:extLst>
+              <a:ext uri="{FF2B5EF4-FFF2-40B4-BE49-F238E27FC236}">
+                <a16:creationId xmlns:a16="http://schemas.microsoft.com/office/drawing/2014/main" id="{0358FD32-AA91-47A4-9758-8C172B30665A}"/>
+              </a:ext>
+              <a:ext uri="{C183D7F6-B498-43B3-948B-1728B52AA6E4}">
+                <adec:decorative xmlns:adec="http://schemas.microsoft.com/office/drawing/2017/decorative" val="1"/>
+              </a:ext>
+            </a:extLst>
+          </p:cNvPr>
+          <p:cNvSpPr>
+            <a:spLocks noGrp="1" noRot="1" noChangeAspect="1" noMove="1" noResize="1" noEditPoints="1" noAdjustHandles="1" noChangeArrowheads="1" noChangeShapeType="1" noTextEdit="1"/>
+          </p:cNvSpPr>
+          <p:nvPr>
+            <p:extLst>
+              <p:ext uri="{386F3935-93C4-4BCD-93E2-E3B085C9AB24}">
+                <p16:designElem xmlns:p16="http://schemas.microsoft.com/office/powerpoint/2015/main" val="1"/>
+              </p:ext>
+            </p:extLst>
+          </p:nvPr>
+        </p:nvSpPr>
+        <p:spPr>
+          <a:xfrm>
+            <a:off x="814795" y="964692"/>
+            <a:ext cx="6885432" cy="4936558"/>
+          </a:xfrm>
+          <a:prstGeom prst="rect">
+            <a:avLst/>
+          </a:prstGeom>
+          <a:noFill/>
+          <a:ln w="31750" cap="sq">
+            <a:solidFill>
+              <a:srgbClr val="FFFFFF"/>
+            </a:solidFill>
+            <a:miter lim="800000"/>
+          </a:ln>
+        </p:spPr>
+        <p:style>
+          <a:lnRef idx="2">
+            <a:schemeClr val="accent1">
+              <a:shade val="50000"/>
+            </a:schemeClr>
+          </a:lnRef>
+          <a:fillRef idx="1">
+            <a:schemeClr val="accent1"/>
+          </a:fillRef>
+          <a:effectRef idx="0">
+            <a:schemeClr val="accent1"/>
+          </a:effectRef>
+          <a:fontRef idx="minor">
+            <a:schemeClr val="lt1"/>
+          </a:fontRef>
+        </p:style>
+        <p:txBody>
+          <a:bodyPr rtlCol="0" anchor="ctr"/>
+          <a:lstStyle/>
+          <a:p>
+            <a:pPr algn="ctr"/>
+            <a:endParaRPr lang="en-US" dirty="0"/>
+          </a:p>
+        </p:txBody>
+      </p:sp>
+      <p:sp>
+        <p:nvSpPr>
+          <p:cNvPr id="12" name="Rectangle 11">
+            <a:extLst>
+              <a:ext uri="{FF2B5EF4-FFF2-40B4-BE49-F238E27FC236}">
+                <a16:creationId xmlns:a16="http://schemas.microsoft.com/office/drawing/2014/main" id="{86B5B18B-0170-4F1B-BF40-89BD5772C006}"/>
+              </a:ext>
+              <a:ext uri="{C183D7F6-B498-43B3-948B-1728B52AA6E4}">
+                <adec:decorative xmlns:adec="http://schemas.microsoft.com/office/drawing/2017/decorative" val="1"/>
+              </a:ext>
+            </a:extLst>
+          </p:cNvPr>
+          <p:cNvSpPr>
+            <a:spLocks noGrp="1" noRot="1" noChangeAspect="1" noMove="1" noResize="1" noEditPoints="1" noAdjustHandles="1" noChangeArrowheads="1" noChangeShapeType="1" noTextEdit="1"/>
+          </p:cNvSpPr>
+          <p:nvPr>
+            <p:extLst>
+              <p:ext uri="{386F3935-93C4-4BCD-93E2-E3B085C9AB24}">
+                <p16:designElem xmlns:p16="http://schemas.microsoft.com/office/powerpoint/2015/main" val="1"/>
+              </p:ext>
+            </p:extLst>
+          </p:nvPr>
+        </p:nvSpPr>
+        <p:spPr>
+          <a:xfrm>
+            <a:off x="978415" y="1128683"/>
+            <a:ext cx="6558192" cy="4608576"/>
+          </a:xfrm>
+          <a:prstGeom prst="rect">
+            <a:avLst/>
+          </a:prstGeom>
+          <a:solidFill>
+            <a:srgbClr val="FFFFFF"/>
+          </a:solidFill>
+          <a:ln>
+            <a:noFill/>
+          </a:ln>
+        </p:spPr>
+        <p:style>
+          <a:lnRef idx="2">
+            <a:schemeClr val="accent1">
+              <a:shade val="50000"/>
+            </a:schemeClr>
+          </a:lnRef>
+          <a:fillRef idx="1">
+            <a:schemeClr val="accent1"/>
+          </a:fillRef>
+          <a:effectRef idx="0">
+            <a:schemeClr val="accent1"/>
+          </a:effectRef>
+          <a:fontRef idx="minor">
+            <a:schemeClr val="lt1"/>
+          </a:fontRef>
+        </p:style>
+        <p:txBody>
+          <a:bodyPr rtlCol="0" anchor="ctr"/>
+          <a:lstStyle/>
+          <a:p>
+            <a:pPr algn="ctr"/>
+            <a:endParaRPr lang="en-US"/>
+          </a:p>
+        </p:txBody>
+      </p:sp>
+      <p:pic>
+        <p:nvPicPr>
+          <p:cNvPr id="5" name="Picture 4" descr="A blue rectangular bar graph&#10;&#10;Description automatically generated with medium confidence">
+            <a:extLst>
+              <a:ext uri="{FF2B5EF4-FFF2-40B4-BE49-F238E27FC236}">
+                <a16:creationId xmlns:a16="http://schemas.microsoft.com/office/drawing/2014/main" id="{E86EAA4A-402C-2F28-5E0D-5C995418DA79}"/>
+              </a:ext>
+            </a:extLst>
+          </p:cNvPr>
+          <p:cNvPicPr>
+            <a:picLocks noChangeAspect="1"/>
+          </p:cNvPicPr>
+          <p:nvPr/>
+        </p:nvPicPr>
+        <p:blipFill>
+          <a:blip r:embed="rId2">
+            <a:extLst>
+              <a:ext uri="{28A0092B-C50C-407E-A947-70E740481C1C}">
+                <a14:useLocalDpi xmlns:a14="http://schemas.microsoft.com/office/drawing/2010/main" val="0"/>
+              </a:ext>
+            </a:extLst>
+          </a:blip>
+          <a:stretch>
+            <a:fillRect/>
+          </a:stretch>
+        </p:blipFill>
+        <p:spPr bwMode="auto">
+          <a:xfrm>
+            <a:off x="1143979" y="1712745"/>
+            <a:ext cx="6227064" cy="3440451"/>
+          </a:xfrm>
+          <a:prstGeom prst="rect">
+            <a:avLst/>
+          </a:prstGeom>
+          <a:noFill/>
+        </p:spPr>
+      </p:pic>
+      <p:sp>
+        <p:nvSpPr>
+          <p:cNvPr id="3" name="Content Placeholder 2">
+            <a:extLst>
+              <a:ext uri="{FF2B5EF4-FFF2-40B4-BE49-F238E27FC236}">
+                <a16:creationId xmlns:a16="http://schemas.microsoft.com/office/drawing/2014/main" id="{227F57D3-F135-A19A-64D5-7743DD3DDDF0}"/>
+              </a:ext>
+            </a:extLst>
+          </p:cNvPr>
+          <p:cNvSpPr>
+            <a:spLocks noGrp="1"/>
+          </p:cNvSpPr>
+          <p:nvPr>
+            <p:ph idx="1"/>
+          </p:nvPr>
+        </p:nvSpPr>
+        <p:spPr>
+          <a:xfrm>
+            <a:off x="8311249" y="2300288"/>
+            <a:ext cx="3063765" cy="3600962"/>
+          </a:xfrm>
+        </p:spPr>
+        <p:txBody>
+          <a:bodyPr>
+            <a:normAutofit fontScale="92500" lnSpcReduction="10000"/>
+          </a:bodyPr>
+          <a:lstStyle/>
+          <a:p>
+            <a:r>
+              <a:rPr lang="en-US" dirty="0"/>
+              <a:t>Based on our machining learning model we were able to predict the price and found that TV model type tends to have the biggest impact on price with an R-squared score of 0.8013 indicates that approximately 80.13% of the variance in the target variable (TV prices) is explained by the model using the input features (TV Type, TV Pixels, Brand) and 0.8817 for model using Scaled feature.</a:t>
+            </a:r>
+          </a:p>
+          <a:p>
+            <a:endParaRPr lang="en-US" dirty="0"/>
+          </a:p>
+        </p:txBody>
+      </p:sp>
+    </p:spTree>
+    <p:extLst>
+      <p:ext uri="{BB962C8B-B14F-4D97-AF65-F5344CB8AC3E}">
+        <p14:creationId xmlns:p14="http://schemas.microsoft.com/office/powerpoint/2010/main" val="860489255"/>
+      </p:ext>
+    </p:extLst>
+  </p:cSld>
+  <p:clrMapOvr>
+    <a:masterClrMapping/>
+  </p:clrMapOvr>
+  <mc:AlternateContent xmlns:mc="http://schemas.openxmlformats.org/markup-compatibility/2006" xmlns:p159="http://schemas.microsoft.com/office/powerpoint/2015/09/main">
+    <mc:Choice Requires="p159">
+      <p:transition xmlns:p14="http://schemas.microsoft.com/office/powerpoint/2010/main" spd="slow" p14:dur="2000">
+        <p159:morph option="byObject"/>
+      </p:transition>
+    </mc:Choice>
+    <mc:Fallback xmlns="">
+      <p:transition spd="slow">
+        <p:fade/>
+      </p:transition>
+    </mc:Fallback>
+  </mc:AlternateContent>
+</p:sld>
+</file>
+
+<file path=ppt/slides/slide14.xml><?xml version="1.0" encoding="utf-8"?>
+<p:sld xmlns:a="http://schemas.openxmlformats.org/drawingml/2006/main" xmlns:r="http://schemas.openxmlformats.org/officeDocument/2006/relationships" xmlns:p="http://schemas.openxmlformats.org/presentationml/2006/main">
+  <p:cSld>
+    <p:bg>
+      <p:bgPr>
+        <a:solidFill>
+          <a:srgbClr val="E3E200"/>
+        </a:solidFill>
+        <a:effectLst/>
+      </p:bgPr>
+    </p:bg>
+    <p:spTree>
+      <p:nvGrpSpPr>
+        <p:cNvPr id="1" name=""/>
+        <p:cNvGrpSpPr/>
+        <p:nvPr/>
+      </p:nvGrpSpPr>
+      <p:grpSpPr>
+        <a:xfrm>
+          <a:off x="0" y="0"/>
+          <a:ext cx="0" cy="0"/>
+          <a:chOff x="0" y="0"/>
+          <a:chExt cx="0" cy="0"/>
+        </a:xfrm>
+      </p:grpSpPr>
+      <p:sp>
+        <p:nvSpPr>
+          <p:cNvPr id="3" name="Content Placeholder 2">
+            <a:extLst>
+              <a:ext uri="{FF2B5EF4-FFF2-40B4-BE49-F238E27FC236}">
+                <a16:creationId xmlns:a16="http://schemas.microsoft.com/office/drawing/2014/main" id="{52981DBD-E8B0-8B4F-EF73-E4CD9E05AC5C}"/>
+              </a:ext>
+            </a:extLst>
+          </p:cNvPr>
+          <p:cNvSpPr>
+            <a:spLocks noGrp="1"/>
+          </p:cNvSpPr>
+          <p:nvPr>
+            <p:ph idx="1"/>
+          </p:nvPr>
+        </p:nvSpPr>
+        <p:spPr>
+          <a:xfrm>
+            <a:off x="1716882" y="5243513"/>
+            <a:ext cx="8758236" cy="810839"/>
+          </a:xfrm>
+        </p:spPr>
+        <p:txBody>
+          <a:bodyPr/>
+          <a:lstStyle/>
+          <a:p>
+            <a:r>
+              <a:rPr lang="en-CA" dirty="0">
+                <a:solidFill>
+                  <a:srgbClr val="12151B"/>
+                </a:solidFill>
+                <a:latin typeface="Roboto" panose="02000000000000000000" pitchFamily="2" charset="0"/>
+                <a:ea typeface="Calibri" panose="020F0502020204030204" pitchFamily="34" charset="0"/>
+                <a:cs typeface="Mangal" panose="02040503050203030202" pitchFamily="18" charset="0"/>
+              </a:rPr>
+              <a:t>Lastly, we</a:t>
+            </a:r>
+            <a:r>
+              <a:rPr lang="en-CA" sz="1800" dirty="0">
+                <a:solidFill>
+                  <a:srgbClr val="12151B"/>
+                </a:solidFill>
+                <a:effectLst/>
+                <a:latin typeface="Roboto" panose="02000000000000000000" pitchFamily="2" charset="0"/>
+                <a:ea typeface="Calibri" panose="020F0502020204030204" pitchFamily="34" charset="0"/>
+                <a:cs typeface="Mangal" panose="02040503050203030202" pitchFamily="18" charset="0"/>
+              </a:rPr>
+              <a:t> used the Flask API to show how can we predict price by using model.</a:t>
+            </a:r>
+            <a:r>
+              <a:rPr lang="en-CA" dirty="0">
+                <a:effectLst/>
+              </a:rPr>
+              <a:t> </a:t>
+            </a:r>
+            <a:endParaRPr lang="en-US" dirty="0"/>
+          </a:p>
+        </p:txBody>
+      </p:sp>
+      <p:pic>
+        <p:nvPicPr>
+          <p:cNvPr id="4" name="Picture 3">
+            <a:extLst>
+              <a:ext uri="{FF2B5EF4-FFF2-40B4-BE49-F238E27FC236}">
+                <a16:creationId xmlns:a16="http://schemas.microsoft.com/office/drawing/2014/main" id="{359BE7DE-4565-D153-CCE3-8F37C4B073E8}"/>
+              </a:ext>
+            </a:extLst>
+          </p:cNvPr>
+          <p:cNvPicPr>
+            <a:picLocks noChangeAspect="1"/>
+          </p:cNvPicPr>
+          <p:nvPr/>
+        </p:nvPicPr>
+        <p:blipFill>
+          <a:blip r:embed="rId2" cstate="print">
+            <a:extLst>
+              <a:ext uri="{28A0092B-C50C-407E-A947-70E740481C1C}">
+                <a14:useLocalDpi xmlns:a14="http://schemas.microsoft.com/office/drawing/2010/main" val="0"/>
+              </a:ext>
+            </a:extLst>
+          </a:blip>
+          <a:srcRect/>
+          <a:stretch>
+            <a:fillRect/>
+          </a:stretch>
+        </p:blipFill>
+        <p:spPr bwMode="auto">
+          <a:xfrm>
+            <a:off x="2444908" y="917948"/>
+            <a:ext cx="7302183" cy="3711202"/>
+          </a:xfrm>
+          <a:prstGeom prst="rect">
+            <a:avLst/>
+          </a:prstGeom>
+          <a:noFill/>
+        </p:spPr>
+      </p:pic>
+    </p:spTree>
+    <p:extLst>
+      <p:ext uri="{BB962C8B-B14F-4D97-AF65-F5344CB8AC3E}">
+        <p14:creationId xmlns:p14="http://schemas.microsoft.com/office/powerpoint/2010/main" val="459279984"/>
+      </p:ext>
+    </p:extLst>
+  </p:cSld>
+  <p:clrMapOvr>
+    <a:masterClrMapping/>
+  </p:clrMapOvr>
+  <mc:AlternateContent xmlns:mc="http://schemas.openxmlformats.org/markup-compatibility/2006" xmlns:p159="http://schemas.microsoft.com/office/powerpoint/2015/09/main">
+    <mc:Choice Requires="p159">
+      <p:transition xmlns:p14="http://schemas.microsoft.com/office/powerpoint/2010/main" spd="slow" p14:dur="2000">
+        <p159:morph option="byObject"/>
+      </p:transition>
+    </mc:Choice>
+    <mc:Fallback xmlns="">
+      <p:transition spd="slow">
+        <p:fade/>
+      </p:transition>
+    </mc:Fallback>
+  </mc:AlternateContent>
+</p:sld>
+</file>
+
+<file path=ppt/slides/slide15.xml><?xml version="1.0" encoding="utf-8"?>
+<p:sld xmlns:a="http://schemas.openxmlformats.org/drawingml/2006/main" xmlns:r="http://schemas.openxmlformats.org/officeDocument/2006/relationships" xmlns:p="http://schemas.openxmlformats.org/presentationml/2006/main">
+  <p:cSld>
+    <p:bg>
+      <p:bgPr>
+        <a:solidFill>
+          <a:srgbClr val="002A7F"/>
+        </a:solidFill>
+        <a:effectLst/>
+      </p:bgPr>
+    </p:bg>
+    <p:spTree>
+      <p:nvGrpSpPr>
+        <p:cNvPr id="1" name=""/>
+        <p:cNvGrpSpPr/>
+        <p:nvPr/>
+      </p:nvGrpSpPr>
+      <p:grpSpPr>
+        <a:xfrm>
+          <a:off x="0" y="0"/>
+          <a:ext cx="0" cy="0"/>
+          <a:chOff x="0" y="0"/>
+          <a:chExt cx="0" cy="0"/>
+        </a:xfrm>
+      </p:grpSpPr>
+      <p:sp>
+        <p:nvSpPr>
+          <p:cNvPr id="2" name="Title 1">
+            <a:extLst>
+              <a:ext uri="{FF2B5EF4-FFF2-40B4-BE49-F238E27FC236}">
+                <a16:creationId xmlns:a16="http://schemas.microsoft.com/office/drawing/2014/main" id="{6FEDDBA2-47D6-0B4D-B154-22B8A04CEFBF}"/>
+              </a:ext>
+            </a:extLst>
+          </p:cNvPr>
+          <p:cNvSpPr>
+            <a:spLocks noGrp="1"/>
+          </p:cNvSpPr>
+          <p:nvPr>
+            <p:ph type="title"/>
+          </p:nvPr>
+        </p:nvSpPr>
+        <p:spPr>
+          <a:xfrm>
+            <a:off x="804672" y="964692"/>
+            <a:ext cx="3066937" cy="1188720"/>
+          </a:xfrm>
+        </p:spPr>
+        <p:txBody>
+          <a:bodyPr>
+            <a:normAutofit/>
+          </a:bodyPr>
+          <a:lstStyle/>
+          <a:p>
+            <a:r>
+              <a:rPr lang="en-US" dirty="0"/>
+              <a:t>Demo and Analysis:</a:t>
+            </a:r>
+          </a:p>
+        </p:txBody>
+      </p:sp>
+      <p:sp>
+        <p:nvSpPr>
+          <p:cNvPr id="3" name="Content Placeholder 2">
+            <a:extLst>
+              <a:ext uri="{FF2B5EF4-FFF2-40B4-BE49-F238E27FC236}">
+                <a16:creationId xmlns:a16="http://schemas.microsoft.com/office/drawing/2014/main" id="{8BD58922-A63D-4841-89C8-83C08051D1C9}"/>
+              </a:ext>
+            </a:extLst>
+          </p:cNvPr>
+          <p:cNvSpPr>
+            <a:spLocks noGrp="1"/>
+          </p:cNvSpPr>
+          <p:nvPr>
+            <p:ph idx="1"/>
+          </p:nvPr>
+        </p:nvSpPr>
+        <p:spPr>
+          <a:xfrm>
+            <a:off x="803244" y="2638044"/>
+            <a:ext cx="3063765" cy="3263206"/>
+          </a:xfrm>
+        </p:spPr>
+        <p:txBody>
+          <a:bodyPr>
+            <a:normAutofit fontScale="62500" lnSpcReduction="20000"/>
+          </a:bodyPr>
+          <a:lstStyle/>
+          <a:p>
+            <a:r>
+              <a:rPr lang="en-US" dirty="0"/>
+              <a:t>We took deeper dive into the web scraping data, and found that the items are sold under new, refurbished and open box.</a:t>
+            </a:r>
+          </a:p>
+          <a:p>
+            <a:r>
+              <a:rPr lang="en-US" dirty="0"/>
+              <a:t>From the following data it is obvious that Samsung as a brand is the most popular despite the status of its items, based on the number of models sold and reviews received.</a:t>
+            </a:r>
+          </a:p>
+          <a:p>
+            <a:r>
+              <a:rPr lang="en-US" dirty="0"/>
+              <a:t>In terms of average price Samsung rests above the average price yet it is still more in demand and lands below the costliest models.</a:t>
+            </a:r>
+          </a:p>
+          <a:p>
+            <a:r>
+              <a:rPr lang="en-US" dirty="0"/>
+              <a:t>Based on our machining learning model we were able to predict the price and found that TV model type tends to have the biggest impact on price with , an R-squared score of 0.8013 indicates that approximately 80.13% of the variance in the target variable (TV prices) is explained by the model using the input features (TV_Type, TV_Pixels, Brand) and 0.8817 for model using Scaled feature</a:t>
+            </a:r>
+          </a:p>
+          <a:p>
+            <a:endParaRPr lang="en-US" dirty="0"/>
+          </a:p>
+          <a:p>
+            <a:endParaRPr lang="en-US" dirty="0"/>
+          </a:p>
+        </p:txBody>
+      </p:sp>
+      <p:sp>
+        <p:nvSpPr>
+          <p:cNvPr id="9" name="Rectangle 8">
+            <a:extLst>
+              <a:ext uri="{FF2B5EF4-FFF2-40B4-BE49-F238E27FC236}">
+                <a16:creationId xmlns:a16="http://schemas.microsoft.com/office/drawing/2014/main" id="{3BBEBD03-E4CE-4B72-8DF2-6E737BDDFBD4}"/>
+              </a:ext>
+              <a:ext uri="{C183D7F6-B498-43B3-948B-1728B52AA6E4}">
+                <adec:decorative xmlns:adec="http://schemas.microsoft.com/office/drawing/2017/decorative" val="1"/>
+              </a:ext>
+            </a:extLst>
+          </p:cNvPr>
+          <p:cNvSpPr>
+            <a:spLocks noGrp="1" noRot="1" noChangeAspect="1" noMove="1" noResize="1" noEditPoints="1" noAdjustHandles="1" noChangeArrowheads="1" noChangeShapeType="1" noTextEdit="1"/>
+          </p:cNvSpPr>
+          <p:nvPr>
+            <p:extLst>
+              <p:ext uri="{386F3935-93C4-4BCD-93E2-E3B085C9AB24}">
+                <p16:designElem xmlns:p16="http://schemas.microsoft.com/office/powerpoint/2015/main" val="1"/>
+              </p:ext>
+            </p:extLst>
+          </p:nvPr>
+        </p:nvSpPr>
+        <p:spPr>
+          <a:xfrm>
+            <a:off x="4494182" y="964692"/>
+            <a:ext cx="6885432" cy="4936558"/>
+          </a:xfrm>
+          <a:prstGeom prst="rect">
+            <a:avLst/>
+          </a:prstGeom>
+          <a:noFill/>
+          <a:ln w="31750" cap="sq">
+            <a:solidFill>
+              <a:srgbClr val="FFFFFF"/>
+            </a:solidFill>
+            <a:miter lim="800000"/>
+          </a:ln>
+        </p:spPr>
+        <p:style>
+          <a:lnRef idx="2">
+            <a:schemeClr val="accent1">
+              <a:shade val="50000"/>
+            </a:schemeClr>
+          </a:lnRef>
+          <a:fillRef idx="1">
+            <a:schemeClr val="accent1"/>
+          </a:fillRef>
+          <a:effectRef idx="0">
+            <a:schemeClr val="accent1"/>
+          </a:effectRef>
+          <a:fontRef idx="minor">
+            <a:schemeClr val="lt1"/>
+          </a:fontRef>
+        </p:style>
+        <p:txBody>
+          <a:bodyPr rtlCol="0" anchor="ctr"/>
+          <a:lstStyle/>
+          <a:p>
+            <a:pPr algn="ctr"/>
+            <a:endParaRPr lang="en-US" dirty="0"/>
+          </a:p>
+        </p:txBody>
+      </p:sp>
+      <p:sp>
+        <p:nvSpPr>
+          <p:cNvPr id="11" name="Rectangle 10">
+            <a:extLst>
+              <a:ext uri="{FF2B5EF4-FFF2-40B4-BE49-F238E27FC236}">
+                <a16:creationId xmlns:a16="http://schemas.microsoft.com/office/drawing/2014/main" id="{77221359-7E5B-428B-8817-A7C5104279C4}"/>
+              </a:ext>
+              <a:ext uri="{C183D7F6-B498-43B3-948B-1728B52AA6E4}">
+                <adec:decorative xmlns:adec="http://schemas.microsoft.com/office/drawing/2017/decorative" val="1"/>
+              </a:ext>
+            </a:extLst>
+          </p:cNvPr>
+          <p:cNvSpPr>
+            <a:spLocks noGrp="1" noRot="1" noChangeAspect="1" noMove="1" noResize="1" noEditPoints="1" noAdjustHandles="1" noChangeArrowheads="1" noChangeShapeType="1" noTextEdit="1"/>
+          </p:cNvSpPr>
+          <p:nvPr>
+            <p:extLst>
+              <p:ext uri="{386F3935-93C4-4BCD-93E2-E3B085C9AB24}">
+                <p16:designElem xmlns:p16="http://schemas.microsoft.com/office/powerpoint/2015/main" val="1"/>
+              </p:ext>
+            </p:extLst>
+          </p:nvPr>
+        </p:nvSpPr>
+        <p:spPr>
+          <a:xfrm>
+            <a:off x="4657802" y="1128683"/>
+            <a:ext cx="6558192" cy="4608576"/>
+          </a:xfrm>
+          <a:prstGeom prst="rect">
+            <a:avLst/>
+          </a:prstGeom>
+          <a:solidFill>
+            <a:srgbClr val="FFFFFF"/>
+          </a:solidFill>
+          <a:ln>
+            <a:noFill/>
+          </a:ln>
+        </p:spPr>
+        <p:style>
+          <a:lnRef idx="2">
+            <a:schemeClr val="accent1">
+              <a:shade val="50000"/>
+            </a:schemeClr>
+          </a:lnRef>
+          <a:fillRef idx="1">
+            <a:schemeClr val="accent1"/>
+          </a:fillRef>
+          <a:effectRef idx="0">
+            <a:schemeClr val="accent1"/>
+          </a:effectRef>
+          <a:fontRef idx="minor">
+            <a:schemeClr val="lt1"/>
+          </a:fontRef>
+        </p:style>
+        <p:txBody>
+          <a:bodyPr rtlCol="0" anchor="ctr"/>
+          <a:lstStyle/>
+          <a:p>
+            <a:pPr algn="ctr"/>
+            <a:endParaRPr lang="en-US"/>
+          </a:p>
+        </p:txBody>
+      </p:sp>
+      <p:pic>
+        <p:nvPicPr>
+          <p:cNvPr id="6" name="Picture 5">
+            <a:extLst>
+              <a:ext uri="{FF2B5EF4-FFF2-40B4-BE49-F238E27FC236}">
+                <a16:creationId xmlns:a16="http://schemas.microsoft.com/office/drawing/2014/main" id="{24516762-258E-1795-9CEA-86B2E6933CE4}"/>
+              </a:ext>
+            </a:extLst>
+          </p:cNvPr>
+          <p:cNvPicPr>
+            <a:picLocks noChangeAspect="1"/>
+          </p:cNvPicPr>
+          <p:nvPr/>
+        </p:nvPicPr>
+        <p:blipFill rotWithShape="1">
+          <a:blip r:embed="rId2"/>
+          <a:srcRect l="6093" t="5127" b="30042"/>
+          <a:stretch/>
+        </p:blipFill>
+        <p:spPr>
+          <a:xfrm>
+            <a:off x="5577233" y="1217595"/>
+            <a:ext cx="4976503" cy="4422809"/>
+          </a:xfrm>
+          <a:prstGeom prst="rect">
+            <a:avLst/>
+          </a:prstGeom>
+        </p:spPr>
+      </p:pic>
+    </p:spTree>
+    <p:extLst>
+      <p:ext uri="{BB962C8B-B14F-4D97-AF65-F5344CB8AC3E}">
+        <p14:creationId xmlns:p14="http://schemas.microsoft.com/office/powerpoint/2010/main" val="315596199"/>
+      </p:ext>
+    </p:extLst>
+  </p:cSld>
+  <p:clrMapOvr>
+    <a:masterClrMapping/>
+  </p:clrMapOvr>
+  <mc:AlternateContent xmlns:mc="http://schemas.openxmlformats.org/markup-compatibility/2006" xmlns:p159="http://schemas.microsoft.com/office/powerpoint/2015/09/main">
+    <mc:Choice Requires="p159">
+      <p:transition xmlns:p14="http://schemas.microsoft.com/office/powerpoint/2010/main" spd="slow" p14:dur="2000">
+        <p159:morph option="byObject"/>
+      </p:transition>
+    </mc:Choice>
+    <mc:Fallback xmlns="">
+      <p:transition spd="slow">
+        <p:fade/>
+      </p:transition>
+    </mc:Fallback>
+  </mc:AlternateContent>
+</p:sld>
+</file>
+
+<file path=ppt/slides/slide16.xml><?xml version="1.0" encoding="utf-8"?>
+<p:sld xmlns:a="http://schemas.openxmlformats.org/drawingml/2006/main" xmlns:r="http://schemas.openxmlformats.org/officeDocument/2006/relationships" xmlns:p="http://schemas.openxmlformats.org/presentationml/2006/main">
+  <p:cSld>
+    <p:bg>
+      <p:bgPr>
+        <a:solidFill>
+          <a:schemeClr val="tx1"/>
+        </a:solidFill>
+        <a:effectLst/>
+      </p:bgPr>
+    </p:bg>
+    <p:spTree>
+      <p:nvGrpSpPr>
+        <p:cNvPr id="1" name=""/>
+        <p:cNvGrpSpPr/>
+        <p:nvPr/>
+      </p:nvGrpSpPr>
+      <p:grpSpPr>
+        <a:xfrm>
+          <a:off x="0" y="0"/>
+          <a:ext cx="0" cy="0"/>
+          <a:chOff x="0" y="0"/>
+          <a:chExt cx="0" cy="0"/>
+        </a:xfrm>
+      </p:grpSpPr>
+      <p:sp>
+        <p:nvSpPr>
+          <p:cNvPr id="2" name="Title 1">
+            <a:extLst>
+              <a:ext uri="{FF2B5EF4-FFF2-40B4-BE49-F238E27FC236}">
+                <a16:creationId xmlns:a16="http://schemas.microsoft.com/office/drawing/2014/main" id="{EA08E54A-05CB-2141-9770-9FB4CCEBD984}"/>
+              </a:ext>
+            </a:extLst>
+          </p:cNvPr>
+          <p:cNvSpPr>
+            <a:spLocks noGrp="1"/>
+          </p:cNvSpPr>
+          <p:nvPr>
+            <p:ph type="title"/>
+          </p:nvPr>
+        </p:nvSpPr>
+        <p:spPr>
+          <a:xfrm>
+            <a:off x="3049524" y="2834640"/>
+            <a:ext cx="6092952" cy="1188720"/>
+          </a:xfrm>
+          <a:solidFill>
+            <a:srgbClr val="E3E200"/>
+          </a:solidFill>
+        </p:spPr>
+        <p:txBody>
+          <a:bodyPr>
+            <a:normAutofit/>
+          </a:bodyPr>
+          <a:lstStyle/>
+          <a:p>
+            <a:r>
+              <a:rPr lang="en-US" dirty="0">
+                <a:solidFill>
+                  <a:schemeClr val="bg1"/>
+                </a:solidFill>
+              </a:rPr>
+              <a:t>Thank you!</a:t>
+            </a:r>
+          </a:p>
+        </p:txBody>
+      </p:sp>
+    </p:spTree>
+    <p:extLst>
+      <p:ext uri="{BB962C8B-B14F-4D97-AF65-F5344CB8AC3E}">
+        <p14:creationId xmlns:p14="http://schemas.microsoft.com/office/powerpoint/2010/main" val="1053870532"/>
+      </p:ext>
+    </p:extLst>
+  </p:cSld>
+  <p:clrMapOvr>
+    <a:masterClrMapping/>
+  </p:clrMapOvr>
+  <mc:AlternateContent xmlns:mc="http://schemas.openxmlformats.org/markup-compatibility/2006" xmlns:p159="http://schemas.microsoft.com/office/powerpoint/2015/09/main">
+    <mc:Choice Requires="p159">
+      <p:transition xmlns:p14="http://schemas.microsoft.com/office/powerpoint/2010/main" spd="slow" p14:dur="2000">
+        <p159:morph option="byObject"/>
+      </p:transition>
+    </mc:Choice>
+    <mc:Fallback xmlns="">
+      <p:transition spd="slow">
+        <p:fade/>
+      </p:transition>
+    </mc:Fallback>
+  </mc:AlternateContent>
+</p:sld>
+</file>
+
 <file path=ppt/slides/slide2.xml><?xml version="1.0" encoding="utf-8"?>
 <p:sld xmlns:a="http://schemas.openxmlformats.org/drawingml/2006/main" xmlns:r="http://schemas.openxmlformats.org/officeDocument/2006/relationships" xmlns:p="http://schemas.openxmlformats.org/presentationml/2006/main">
   <p:cSld>
@@ -5271,7 +6624,7 @@
                   <a:schemeClr val="bg1"/>
                 </a:solidFill>
               </a:rPr>
-              <a:t>For example: here is a heat map portraying the correlation between the parameters and price.</a:t>
+              <a:t>Here is a heat map portraying the correlation between the parameters and price.</a:t>
             </a:r>
           </a:p>
           <a:p>
@@ -5282,7 +6635,50 @@
                   <a:schemeClr val="bg1"/>
                 </a:solidFill>
               </a:rPr>
-              <a:t>Showcases that TV type has the maximum effect on price.</a:t>
+              <a:t>It's a heatmap. Say that, Price and </a:t>
+            </a:r>
+            <a:r>
+              <a:rPr lang="en-US" dirty="0" err="1">
+                <a:solidFill>
+                  <a:schemeClr val="bg1"/>
+                </a:solidFill>
+              </a:rPr>
+              <a:t>Tv_type</a:t>
+            </a:r>
+            <a:r>
+              <a:rPr lang="en-US" dirty="0">
+                <a:solidFill>
+                  <a:schemeClr val="bg1"/>
+                </a:solidFill>
+              </a:rPr>
+              <a:t> has better correlation compared to others.</a:t>
+            </a:r>
+          </a:p>
+          <a:p>
+            <a:pPr lvl="1"/>
+            <a:r>
+              <a:rPr lang="en-US" dirty="0">
+                <a:solidFill>
+                  <a:schemeClr val="bg1"/>
+                </a:solidFill>
+              </a:rPr>
+              <a:t>So based on this, based on the </a:t>
+            </a:r>
+            <a:r>
+              <a:rPr lang="en-US" dirty="0" err="1">
+                <a:solidFill>
+                  <a:schemeClr val="bg1"/>
+                </a:solidFill>
+              </a:rPr>
+              <a:t>Tv_type</a:t>
+            </a:r>
+            <a:r>
+              <a:rPr lang="en-US" dirty="0">
+                <a:solidFill>
+                  <a:schemeClr val="bg1"/>
+                </a:solidFill>
+              </a:rPr>
+              <a:t> price varies. Discount and price are not linked together.</a:t>
             </a:r>
           </a:p>
           <a:p>
@@ -5362,7 +6758,7 @@
     <p:bg>
       <p:bgPr>
         <a:solidFill>
-          <a:srgbClr val="002A7F"/>
+          <a:srgbClr val="00308F"/>
         </a:solidFill>
         <a:effectLst/>
       </p:bgPr>
@@ -5383,104 +6779,10 @@
       </p:grpSpPr>
       <p:sp>
         <p:nvSpPr>
-          <p:cNvPr id="2" name="Title 1">
+          <p:cNvPr id="10" name="Rectangle 9">
             <a:extLst>
               <a:ext uri="{FF2B5EF4-FFF2-40B4-BE49-F238E27FC236}">
-                <a16:creationId xmlns:a16="http://schemas.microsoft.com/office/drawing/2014/main" id="{6FEDDBA2-47D6-0B4D-B154-22B8A04CEFBF}"/>
-              </a:ext>
-            </a:extLst>
-          </p:cNvPr>
-          <p:cNvSpPr>
-            <a:spLocks noGrp="1"/>
-          </p:cNvSpPr>
-          <p:nvPr>
-            <p:ph type="title"/>
-          </p:nvPr>
-        </p:nvSpPr>
-        <p:spPr>
-          <a:xfrm>
-            <a:off x="804672" y="964692"/>
-            <a:ext cx="3066937" cy="1188720"/>
-          </a:xfrm>
-        </p:spPr>
-        <p:txBody>
-          <a:bodyPr>
-            <a:normAutofit/>
-          </a:bodyPr>
-          <a:lstStyle/>
-          <a:p>
-            <a:r>
-              <a:rPr lang="en-US" dirty="0"/>
-              <a:t>Demo and Analysis:</a:t>
-            </a:r>
-          </a:p>
-        </p:txBody>
-      </p:sp>
-      <p:sp>
-        <p:nvSpPr>
-          <p:cNvPr id="3" name="Content Placeholder 2">
-            <a:extLst>
-              <a:ext uri="{FF2B5EF4-FFF2-40B4-BE49-F238E27FC236}">
-                <a16:creationId xmlns:a16="http://schemas.microsoft.com/office/drawing/2014/main" id="{8BD58922-A63D-4841-89C8-83C08051D1C9}"/>
-              </a:ext>
-            </a:extLst>
-          </p:cNvPr>
-          <p:cNvSpPr>
-            <a:spLocks noGrp="1"/>
-          </p:cNvSpPr>
-          <p:nvPr>
-            <p:ph idx="1"/>
-          </p:nvPr>
-        </p:nvSpPr>
-        <p:spPr>
-          <a:xfrm>
-            <a:off x="803244" y="2638044"/>
-            <a:ext cx="3063765" cy="3263206"/>
-          </a:xfrm>
-        </p:spPr>
-        <p:txBody>
-          <a:bodyPr>
-            <a:normAutofit fontScale="62500" lnSpcReduction="20000"/>
-          </a:bodyPr>
-          <a:lstStyle/>
-          <a:p>
-            <a:r>
-              <a:rPr lang="en-US" dirty="0"/>
-              <a:t>We took deeper dive into the web scraping data, and found that the items are sold under new, refurbished and open box.</a:t>
-            </a:r>
-          </a:p>
-          <a:p>
-            <a:r>
-              <a:rPr lang="en-US" dirty="0"/>
-              <a:t>From the following data it is obvious that Samsung as a brand is the most popular despite the status of its items, based on the number of models sold and reviews received.</a:t>
-            </a:r>
-          </a:p>
-          <a:p>
-            <a:r>
-              <a:rPr lang="en-US" dirty="0"/>
-              <a:t>In terms of average price Samsung rests above the average price yet it is still more in demand and lands below the costliest models.</a:t>
-            </a:r>
-          </a:p>
-          <a:p>
-            <a:r>
-              <a:rPr lang="en-US" dirty="0"/>
-              <a:t>Based on our machining learning model we were able to predict the price and found that TV model type tends to have the biggest impact on price with , an R-squared score of 0.8013 indicates that approximately 80.13% of the variance in the target variable (TV prices) is explained by the model using the input features (TV_Type, TV_Pixels, Brand) and 0.8817 for model using Scaled feature</a:t>
-            </a:r>
-          </a:p>
-          <a:p>
-            <a:endParaRPr lang="en-US" dirty="0"/>
-          </a:p>
-          <a:p>
-            <a:endParaRPr lang="en-US" dirty="0"/>
-          </a:p>
-        </p:txBody>
-      </p:sp>
-      <p:sp>
-        <p:nvSpPr>
-          <p:cNvPr id="9" name="Rectangle 8">
-            <a:extLst>
-              <a:ext uri="{FF2B5EF4-FFF2-40B4-BE49-F238E27FC236}">
-                <a16:creationId xmlns:a16="http://schemas.microsoft.com/office/drawing/2014/main" id="{3BBEBD03-E4CE-4B72-8DF2-6E737BDDFBD4}"/>
+                <a16:creationId xmlns:a16="http://schemas.microsoft.com/office/drawing/2014/main" id="{0358FD32-AA91-47A4-9758-8C172B30665A}"/>
               </a:ext>
               <a:ext uri="{C183D7F6-B498-43B3-948B-1728B52AA6E4}">
                 <adec:decorative xmlns:adec="http://schemas.microsoft.com/office/drawing/2017/decorative" val="1"/>
@@ -5500,7 +6802,7 @@
         </p:nvSpPr>
         <p:spPr>
           <a:xfrm>
-            <a:off x="4494182" y="964692"/>
+            <a:off x="814795" y="964692"/>
             <a:ext cx="6885432" cy="4936558"/>
           </a:xfrm>
           <a:prstGeom prst="rect">
@@ -5541,10 +6843,10 @@
       </p:sp>
       <p:sp>
         <p:nvSpPr>
-          <p:cNvPr id="11" name="Rectangle 10">
+          <p:cNvPr id="12" name="Rectangle 11">
             <a:extLst>
               <a:ext uri="{FF2B5EF4-FFF2-40B4-BE49-F238E27FC236}">
-                <a16:creationId xmlns:a16="http://schemas.microsoft.com/office/drawing/2014/main" id="{77221359-7E5B-428B-8817-A7C5104279C4}"/>
+                <a16:creationId xmlns:a16="http://schemas.microsoft.com/office/drawing/2014/main" id="{86B5B18B-0170-4F1B-BF40-89BD5772C006}"/>
               </a:ext>
               <a:ext uri="{C183D7F6-B498-43B3-948B-1728B52AA6E4}">
                 <adec:decorative xmlns:adec="http://schemas.microsoft.com/office/drawing/2017/decorative" val="1"/>
@@ -5564,7 +6866,7 @@
         </p:nvSpPr>
         <p:spPr>
           <a:xfrm>
-            <a:off x="4657802" y="1128683"/>
+            <a:off x="978415" y="1128683"/>
             <a:ext cx="6558192" cy="4608576"/>
           </a:xfrm>
           <a:prstGeom prst="rect">
@@ -5604,10 +6906,10 @@
       </p:sp>
       <p:pic>
         <p:nvPicPr>
-          <p:cNvPr id="6" name="Picture 5">
+          <p:cNvPr id="5" name="Picture 4" descr="A graph with purple dots&#10;&#10;Description automatically generated">
             <a:extLst>
               <a:ext uri="{FF2B5EF4-FFF2-40B4-BE49-F238E27FC236}">
-                <a16:creationId xmlns:a16="http://schemas.microsoft.com/office/drawing/2014/main" id="{24516762-258E-1795-9CEA-86B2E6933CE4}"/>
+                <a16:creationId xmlns:a16="http://schemas.microsoft.com/office/drawing/2014/main" id="{A35D59E5-7F95-43F8-3133-133BE9F00129}"/>
               </a:ext>
             </a:extLst>
           </p:cNvPr>
@@ -5616,25 +6918,84 @@
           </p:cNvPicPr>
           <p:nvPr/>
         </p:nvPicPr>
-        <p:blipFill rotWithShape="1">
-          <a:blip r:embed="rId2"/>
-          <a:srcRect l="6093" t="5127" b="30042"/>
-          <a:stretch/>
+        <p:blipFill>
+          <a:blip r:embed="rId2">
+            <a:extLst>
+              <a:ext uri="{28A0092B-C50C-407E-A947-70E740481C1C}">
+                <a14:useLocalDpi xmlns:a14="http://schemas.microsoft.com/office/drawing/2010/main" val="0"/>
+              </a:ext>
+            </a:extLst>
+          </a:blip>
+          <a:stretch>
+            <a:fillRect/>
+          </a:stretch>
         </p:blipFill>
-        <p:spPr>
-          <a:xfrm>
-            <a:off x="5577233" y="1217595"/>
-            <a:ext cx="4976503" cy="4422809"/>
+        <p:spPr bwMode="auto">
+          <a:xfrm>
+            <a:off x="1243855" y="1293275"/>
+            <a:ext cx="6027312" cy="4279392"/>
           </a:xfrm>
           <a:prstGeom prst="rect">
             <a:avLst/>
           </a:prstGeom>
+          <a:solidFill>
+            <a:schemeClr val="accent2"/>
+          </a:solidFill>
         </p:spPr>
       </p:pic>
+      <p:sp>
+        <p:nvSpPr>
+          <p:cNvPr id="3" name="Content Placeholder 2">
+            <a:extLst>
+              <a:ext uri="{FF2B5EF4-FFF2-40B4-BE49-F238E27FC236}">
+                <a16:creationId xmlns:a16="http://schemas.microsoft.com/office/drawing/2014/main" id="{5961D3A8-FE46-096D-C509-8538622CEE47}"/>
+              </a:ext>
+            </a:extLst>
+          </p:cNvPr>
+          <p:cNvSpPr>
+            <a:spLocks noGrp="1"/>
+          </p:cNvSpPr>
+          <p:nvPr>
+            <p:ph idx="1"/>
+          </p:nvPr>
+        </p:nvSpPr>
+        <p:spPr>
+          <a:xfrm>
+            <a:off x="8311249" y="2638044"/>
+            <a:ext cx="3063765" cy="3263206"/>
+          </a:xfrm>
+        </p:spPr>
+        <p:txBody>
+          <a:bodyPr>
+            <a:normAutofit/>
+          </a:bodyPr>
+          <a:lstStyle/>
+          <a:p>
+            <a:r>
+              <a:rPr lang="en-CA">
+                <a:effectLst/>
+                <a:latin typeface="Roboto" panose="02000000000000000000" pitchFamily="2" charset="0"/>
+                <a:ea typeface="Calibri" panose="020F0502020204030204" pitchFamily="34" charset="0"/>
+                <a:cs typeface="Mangal" panose="02040503050203030202" pitchFamily="18" charset="0"/>
+              </a:rPr>
+              <a:t>The tv type shows the various size of TV’s that are available. It's clear that, the price is in the lower side for most of the TV Size and as the size increases the cost increases.</a:t>
+            </a:r>
+            <a:endParaRPr lang="en-CA">
+              <a:effectLst/>
+              <a:latin typeface="Calibri" panose="020F0502020204030204" pitchFamily="34" charset="0"/>
+              <a:ea typeface="Calibri" panose="020F0502020204030204" pitchFamily="34" charset="0"/>
+              <a:cs typeface="Mangal" panose="02040503050203030202" pitchFamily="18" charset="0"/>
+            </a:endParaRPr>
+          </a:p>
+          <a:p>
+            <a:endParaRPr lang="en-US" dirty="0"/>
+          </a:p>
+        </p:txBody>
+      </p:sp>
     </p:spTree>
     <p:extLst>
       <p:ext uri="{BB962C8B-B14F-4D97-AF65-F5344CB8AC3E}">
-        <p14:creationId xmlns:p14="http://schemas.microsoft.com/office/powerpoint/2010/main" val="315596199"/>
+        <p14:creationId xmlns:p14="http://schemas.microsoft.com/office/powerpoint/2010/main" val="1649239466"/>
       </p:ext>
     </p:extLst>
   </p:cSld>
@@ -5662,7 +7023,7 @@
     <p:bg>
       <p:bgPr>
         <a:solidFill>
-          <a:schemeClr val="tx1"/>
+          <a:srgbClr val="E3E200"/>
         </a:solidFill>
         <a:effectLst/>
       </p:bgPr>
@@ -5683,10 +7044,10 @@
       </p:grpSpPr>
       <p:sp>
         <p:nvSpPr>
-          <p:cNvPr id="2" name="Title 1">
+          <p:cNvPr id="3" name="Content Placeholder 2">
             <a:extLst>
               <a:ext uri="{FF2B5EF4-FFF2-40B4-BE49-F238E27FC236}">
-                <a16:creationId xmlns:a16="http://schemas.microsoft.com/office/drawing/2014/main" id="{EA08E54A-05CB-2141-9770-9FB4CCEBD984}"/>
+                <a16:creationId xmlns:a16="http://schemas.microsoft.com/office/drawing/2014/main" id="{922082A7-0E50-2E91-6C15-457AB9215AEC}"/>
               </a:ext>
             </a:extLst>
           </p:cNvPr>
@@ -5694,17 +7055,321 @@
             <a:spLocks noGrp="1"/>
           </p:cNvSpPr>
           <p:nvPr>
-            <p:ph type="title"/>
+            <p:ph idx="1"/>
           </p:nvPr>
         </p:nvSpPr>
         <p:spPr>
           <a:xfrm>
-            <a:off x="3049524" y="2834640"/>
-            <a:ext cx="6092952" cy="1188720"/>
-          </a:xfrm>
+            <a:off x="2592609" y="5186363"/>
+            <a:ext cx="7006781" cy="1171574"/>
+          </a:xfrm>
+        </p:spPr>
+        <p:txBody>
+          <a:bodyPr/>
+          <a:lstStyle/>
+          <a:p>
+            <a:pPr algn="just">
+              <a:lnSpc>
+                <a:spcPct val="107000"/>
+              </a:lnSpc>
+              <a:spcAft>
+                <a:spcPts val="800"/>
+              </a:spcAft>
+            </a:pPr>
+            <a:r>
+              <a:rPr lang="en-CA" sz="1800" dirty="0">
+                <a:solidFill>
+                  <a:srgbClr val="12151B"/>
+                </a:solidFill>
+                <a:effectLst/>
+                <a:latin typeface="Roboto" panose="02000000000000000000" pitchFamily="2" charset="0"/>
+                <a:ea typeface="Calibri" panose="020F0502020204030204" pitchFamily="34" charset="0"/>
+                <a:cs typeface="Mangal" panose="02040503050203030202" pitchFamily="18" charset="0"/>
+              </a:rPr>
+              <a:t>It's a plot showing how the price works. Notable thing is, all price mostly lies less than 10000</a:t>
+            </a:r>
+            <a:endParaRPr lang="en-CA" sz="1800" dirty="0">
+              <a:effectLst/>
+              <a:latin typeface="Calibri" panose="020F0502020204030204" pitchFamily="34" charset="0"/>
+              <a:ea typeface="Calibri" panose="020F0502020204030204" pitchFamily="34" charset="0"/>
+              <a:cs typeface="Mangal" panose="02040503050203030202" pitchFamily="18" charset="0"/>
+            </a:endParaRPr>
+          </a:p>
+        </p:txBody>
+      </p:sp>
+      <p:pic>
+        <p:nvPicPr>
+          <p:cNvPr id="4" name="Picture 3">
+            <a:extLst>
+              <a:ext uri="{FF2B5EF4-FFF2-40B4-BE49-F238E27FC236}">
+                <a16:creationId xmlns:a16="http://schemas.microsoft.com/office/drawing/2014/main" id="{4DB28101-780D-729A-BEE3-5284577B06CE}"/>
+              </a:ext>
+            </a:extLst>
+          </p:cNvPr>
+          <p:cNvPicPr>
+            <a:picLocks noChangeAspect="1"/>
+          </p:cNvPicPr>
+          <p:nvPr/>
+        </p:nvPicPr>
+        <p:blipFill>
+          <a:blip r:embed="rId2">
+            <a:extLst>
+              <a:ext uri="{28A0092B-C50C-407E-A947-70E740481C1C}">
+                <a14:useLocalDpi xmlns:a14="http://schemas.microsoft.com/office/drawing/2010/main" val="0"/>
+              </a:ext>
+            </a:extLst>
+          </a:blip>
+          <a:srcRect/>
+          <a:stretch>
+            <a:fillRect/>
+          </a:stretch>
+        </p:blipFill>
+        <p:spPr bwMode="auto">
+          <a:xfrm>
+            <a:off x="3007614" y="500063"/>
+            <a:ext cx="5562600" cy="4114800"/>
+          </a:xfrm>
+          <a:prstGeom prst="rect">
+            <a:avLst/>
+          </a:prstGeom>
+          <a:noFill/>
+        </p:spPr>
+      </p:pic>
+    </p:spTree>
+    <p:extLst>
+      <p:ext uri="{BB962C8B-B14F-4D97-AF65-F5344CB8AC3E}">
+        <p14:creationId xmlns:p14="http://schemas.microsoft.com/office/powerpoint/2010/main" val="1032515693"/>
+      </p:ext>
+    </p:extLst>
+  </p:cSld>
+  <p:clrMapOvr>
+    <a:masterClrMapping/>
+  </p:clrMapOvr>
+  <mc:AlternateContent xmlns:mc="http://schemas.openxmlformats.org/markup-compatibility/2006" xmlns:p159="http://schemas.microsoft.com/office/powerpoint/2015/09/main">
+    <mc:Choice Requires="p159">
+      <p:transition xmlns:p14="http://schemas.microsoft.com/office/powerpoint/2010/main" spd="slow" p14:dur="2000">
+        <p159:morph option="byObject"/>
+      </p:transition>
+    </mc:Choice>
+    <mc:Fallback xmlns="">
+      <p:transition spd="slow">
+        <p:fade/>
+      </p:transition>
+    </mc:Fallback>
+  </mc:AlternateContent>
+</p:sld>
+</file>
+
+<file path=ppt/slides/slide9.xml><?xml version="1.0" encoding="utf-8"?>
+<p:sld xmlns:a="http://schemas.openxmlformats.org/drawingml/2006/main" xmlns:r="http://schemas.openxmlformats.org/officeDocument/2006/relationships" xmlns:p="http://schemas.openxmlformats.org/presentationml/2006/main">
+  <p:cSld>
+    <p:bg>
+      <p:bgPr>
+        <a:solidFill>
+          <a:srgbClr val="00308F"/>
+        </a:solidFill>
+        <a:effectLst/>
+      </p:bgPr>
+    </p:bg>
+    <p:spTree>
+      <p:nvGrpSpPr>
+        <p:cNvPr id="1" name=""/>
+        <p:cNvGrpSpPr/>
+        <p:nvPr/>
+      </p:nvGrpSpPr>
+      <p:grpSpPr>
+        <a:xfrm>
+          <a:off x="0" y="0"/>
+          <a:ext cx="0" cy="0"/>
+          <a:chOff x="0" y="0"/>
+          <a:chExt cx="0" cy="0"/>
+        </a:xfrm>
+      </p:grpSpPr>
+      <p:sp>
+        <p:nvSpPr>
+          <p:cNvPr id="9" name="Rectangle 8">
+            <a:extLst>
+              <a:ext uri="{FF2B5EF4-FFF2-40B4-BE49-F238E27FC236}">
+                <a16:creationId xmlns:a16="http://schemas.microsoft.com/office/drawing/2014/main" id="{0358FD32-AA91-47A4-9758-8C172B30665A}"/>
+              </a:ext>
+              <a:ext uri="{C183D7F6-B498-43B3-948B-1728B52AA6E4}">
+                <adec:decorative xmlns:adec="http://schemas.microsoft.com/office/drawing/2017/decorative" val="1"/>
+              </a:ext>
+            </a:extLst>
+          </p:cNvPr>
+          <p:cNvSpPr>
+            <a:spLocks noGrp="1" noRot="1" noChangeAspect="1" noMove="1" noResize="1" noEditPoints="1" noAdjustHandles="1" noChangeArrowheads="1" noChangeShapeType="1" noTextEdit="1"/>
+          </p:cNvSpPr>
+          <p:nvPr>
+            <p:extLst>
+              <p:ext uri="{386F3935-93C4-4BCD-93E2-E3B085C9AB24}">
+                <p16:designElem xmlns:p16="http://schemas.microsoft.com/office/powerpoint/2015/main" val="1"/>
+              </p:ext>
+            </p:extLst>
+          </p:nvPr>
+        </p:nvSpPr>
+        <p:spPr>
+          <a:xfrm>
+            <a:off x="814795" y="964692"/>
+            <a:ext cx="6885432" cy="4936558"/>
+          </a:xfrm>
+          <a:prstGeom prst="rect">
+            <a:avLst/>
+          </a:prstGeom>
+          <a:noFill/>
+          <a:ln w="31750" cap="sq">
+            <a:solidFill>
+              <a:srgbClr val="FFFFFF"/>
+            </a:solidFill>
+            <a:miter lim="800000"/>
+          </a:ln>
+        </p:spPr>
+        <p:style>
+          <a:lnRef idx="2">
+            <a:schemeClr val="accent1">
+              <a:shade val="50000"/>
+            </a:schemeClr>
+          </a:lnRef>
+          <a:fillRef idx="1">
+            <a:schemeClr val="accent1"/>
+          </a:fillRef>
+          <a:effectRef idx="0">
+            <a:schemeClr val="accent1"/>
+          </a:effectRef>
+          <a:fontRef idx="minor">
+            <a:schemeClr val="lt1"/>
+          </a:fontRef>
+        </p:style>
+        <p:txBody>
+          <a:bodyPr rtlCol="0" anchor="ctr"/>
+          <a:lstStyle/>
+          <a:p>
+            <a:pPr algn="ctr"/>
+            <a:endParaRPr lang="en-US" dirty="0"/>
+          </a:p>
+        </p:txBody>
+      </p:sp>
+      <p:sp>
+        <p:nvSpPr>
+          <p:cNvPr id="11" name="Rectangle 10">
+            <a:extLst>
+              <a:ext uri="{FF2B5EF4-FFF2-40B4-BE49-F238E27FC236}">
+                <a16:creationId xmlns:a16="http://schemas.microsoft.com/office/drawing/2014/main" id="{86B5B18B-0170-4F1B-BF40-89BD5772C006}"/>
+              </a:ext>
+              <a:ext uri="{C183D7F6-B498-43B3-948B-1728B52AA6E4}">
+                <adec:decorative xmlns:adec="http://schemas.microsoft.com/office/drawing/2017/decorative" val="1"/>
+              </a:ext>
+            </a:extLst>
+          </p:cNvPr>
+          <p:cNvSpPr>
+            <a:spLocks noGrp="1" noRot="1" noChangeAspect="1" noMove="1" noResize="1" noEditPoints="1" noAdjustHandles="1" noChangeArrowheads="1" noChangeShapeType="1" noTextEdit="1"/>
+          </p:cNvSpPr>
+          <p:nvPr>
+            <p:extLst>
+              <p:ext uri="{386F3935-93C4-4BCD-93E2-E3B085C9AB24}">
+                <p16:designElem xmlns:p16="http://schemas.microsoft.com/office/powerpoint/2015/main" val="1"/>
+              </p:ext>
+            </p:extLst>
+          </p:nvPr>
+        </p:nvSpPr>
+        <p:spPr>
+          <a:xfrm>
+            <a:off x="978415" y="1128683"/>
+            <a:ext cx="6558192" cy="4608576"/>
+          </a:xfrm>
+          <a:prstGeom prst="rect">
+            <a:avLst/>
+          </a:prstGeom>
           <a:solidFill>
-            <a:srgbClr val="E3E200"/>
+            <a:srgbClr val="FFFFFF"/>
           </a:solidFill>
+          <a:ln>
+            <a:noFill/>
+          </a:ln>
+        </p:spPr>
+        <p:style>
+          <a:lnRef idx="2">
+            <a:schemeClr val="accent1">
+              <a:shade val="50000"/>
+            </a:schemeClr>
+          </a:lnRef>
+          <a:fillRef idx="1">
+            <a:schemeClr val="accent1"/>
+          </a:fillRef>
+          <a:effectRef idx="0">
+            <a:schemeClr val="accent1"/>
+          </a:effectRef>
+          <a:fontRef idx="minor">
+            <a:schemeClr val="lt1"/>
+          </a:fontRef>
+        </p:style>
+        <p:txBody>
+          <a:bodyPr rtlCol="0" anchor="ctr"/>
+          <a:lstStyle/>
+          <a:p>
+            <a:pPr algn="ctr"/>
+            <a:endParaRPr lang="en-US"/>
+          </a:p>
+        </p:txBody>
+      </p:sp>
+      <p:pic>
+        <p:nvPicPr>
+          <p:cNvPr id="4" name="Picture 3" descr="A graph with different colored bars&#10;&#10;Description automatically generated">
+            <a:extLst>
+              <a:ext uri="{FF2B5EF4-FFF2-40B4-BE49-F238E27FC236}">
+                <a16:creationId xmlns:a16="http://schemas.microsoft.com/office/drawing/2014/main" id="{BA90C75E-614B-C733-B8E7-CF7955A4A8A1}"/>
+              </a:ext>
+            </a:extLst>
+          </p:cNvPr>
+          <p:cNvPicPr>
+            <a:picLocks noChangeAspect="1"/>
+          </p:cNvPicPr>
+          <p:nvPr/>
+        </p:nvPicPr>
+        <p:blipFill>
+          <a:blip r:embed="rId2">
+            <a:extLst>
+              <a:ext uri="{28A0092B-C50C-407E-A947-70E740481C1C}">
+                <a14:useLocalDpi xmlns:a14="http://schemas.microsoft.com/office/drawing/2010/main" val="0"/>
+              </a:ext>
+            </a:extLst>
+          </a:blip>
+          <a:stretch>
+            <a:fillRect/>
+          </a:stretch>
+        </p:blipFill>
+        <p:spPr bwMode="auto">
+          <a:xfrm>
+            <a:off x="1385435" y="1293275"/>
+            <a:ext cx="5744152" cy="4279392"/>
+          </a:xfrm>
+          <a:prstGeom prst="rect">
+            <a:avLst/>
+          </a:prstGeom>
+          <a:noFill/>
+        </p:spPr>
+      </p:pic>
+      <p:sp>
+        <p:nvSpPr>
+          <p:cNvPr id="3" name="Content Placeholder 2">
+            <a:extLst>
+              <a:ext uri="{FF2B5EF4-FFF2-40B4-BE49-F238E27FC236}">
+                <a16:creationId xmlns:a16="http://schemas.microsoft.com/office/drawing/2014/main" id="{96233A32-E65C-9927-8023-33852AFD1653}"/>
+              </a:ext>
+            </a:extLst>
+          </p:cNvPr>
+          <p:cNvSpPr>
+            <a:spLocks noGrp="1"/>
+          </p:cNvSpPr>
+          <p:nvPr>
+            <p:ph idx="1"/>
+          </p:nvPr>
+        </p:nvSpPr>
+        <p:spPr>
+          <a:xfrm>
+            <a:off x="8313440" y="2619184"/>
+            <a:ext cx="3063765" cy="1619631"/>
+          </a:xfrm>
         </p:spPr>
         <p:txBody>
           <a:bodyPr>
@@ -5713,20 +7378,19 @@
           <a:lstStyle/>
           <a:p>
             <a:r>
-              <a:rPr lang="en-US" dirty="0">
-                <a:solidFill>
-                  <a:schemeClr val="bg1"/>
-                </a:solidFill>
-              </a:rPr>
-              <a:t>Thank you!</a:t>
-            </a:r>
+              <a:rPr lang="en-US" dirty="0"/>
+              <a:t>8K resolution TVs are available the most and their price lies between 4000 to 12000</a:t>
+            </a:r>
+          </a:p>
+          <a:p>
+            <a:endParaRPr lang="en-US" dirty="0"/>
           </a:p>
         </p:txBody>
       </p:sp>
     </p:spTree>
     <p:extLst>
       <p:ext uri="{BB962C8B-B14F-4D97-AF65-F5344CB8AC3E}">
-        <p14:creationId xmlns:p14="http://schemas.microsoft.com/office/powerpoint/2010/main" val="1053870532"/>
+        <p14:creationId xmlns:p14="http://schemas.microsoft.com/office/powerpoint/2010/main" val="650230906"/>
       </p:ext>
     </p:extLst>
   </p:cSld>

--- a/Ishita/BestBuy.pptx
+++ b/Ishita/BestBuy.pptx
@@ -204,7 +204,7 @@
           <a:p>
             <a:fld id="{28E8C820-0967-E846-BA81-8967F2F7163D}" type="datetimeFigureOut">
               <a:rPr lang="en-US" smtClean="0"/>
-              <a:t>8/2/23</a:t>
+              <a:t>8/3/2023</a:t>
             </a:fld>
             <a:endParaRPr lang="en-US"/>
           </a:p>
@@ -713,7 +713,7 @@
           <a:p>
             <a:fld id="{E0703A55-4804-C745-AE9A-57701EF14D3E}" type="datetimeFigureOut">
               <a:rPr lang="en-US" smtClean="0"/>
-              <a:t>8/2/23</a:t>
+              <a:t>8/3/2023</a:t>
             </a:fld>
             <a:endParaRPr lang="en-US"/>
           </a:p>
@@ -895,7 +895,7 @@
           <a:p>
             <a:fld id="{E0703A55-4804-C745-AE9A-57701EF14D3E}" type="datetimeFigureOut">
               <a:rPr lang="en-US" smtClean="0"/>
-              <a:t>8/2/23</a:t>
+              <a:t>8/3/2023</a:t>
             </a:fld>
             <a:endParaRPr lang="en-US"/>
           </a:p>
@@ -1087,7 +1087,7 @@
           <a:p>
             <a:fld id="{E0703A55-4804-C745-AE9A-57701EF14D3E}" type="datetimeFigureOut">
               <a:rPr lang="en-US" smtClean="0"/>
-              <a:t>8/2/23</a:t>
+              <a:t>8/3/2023</a:t>
             </a:fld>
             <a:endParaRPr lang="en-US"/>
           </a:p>
@@ -1269,7 +1269,7 @@
           <a:p>
             <a:fld id="{E0703A55-4804-C745-AE9A-57701EF14D3E}" type="datetimeFigureOut">
               <a:rPr lang="en-US" smtClean="0"/>
-              <a:t>8/2/23</a:t>
+              <a:t>8/3/2023</a:t>
             </a:fld>
             <a:endParaRPr lang="en-US"/>
           </a:p>
@@ -1541,7 +1541,7 @@
           <a:p>
             <a:fld id="{E0703A55-4804-C745-AE9A-57701EF14D3E}" type="datetimeFigureOut">
               <a:rPr lang="en-US" smtClean="0"/>
-              <a:t>8/2/23</a:t>
+              <a:t>8/3/2023</a:t>
             </a:fld>
             <a:endParaRPr lang="en-US"/>
           </a:p>
@@ -1785,7 +1785,7 @@
           <a:p>
             <a:fld id="{E0703A55-4804-C745-AE9A-57701EF14D3E}" type="datetimeFigureOut">
               <a:rPr lang="en-US" smtClean="0"/>
-              <a:t>8/2/23</a:t>
+              <a:t>8/3/2023</a:t>
             </a:fld>
             <a:endParaRPr lang="en-US"/>
           </a:p>
@@ -2152,7 +2152,7 @@
           <a:p>
             <a:fld id="{E0703A55-4804-C745-AE9A-57701EF14D3E}" type="datetimeFigureOut">
               <a:rPr lang="en-US" smtClean="0"/>
-              <a:t>8/2/23</a:t>
+              <a:t>8/3/2023</a:t>
             </a:fld>
             <a:endParaRPr lang="en-US"/>
           </a:p>
@@ -2305,7 +2305,7 @@
           <a:p>
             <a:fld id="{E0703A55-4804-C745-AE9A-57701EF14D3E}" type="datetimeFigureOut">
               <a:rPr lang="en-US" smtClean="0"/>
-              <a:t>8/2/23</a:t>
+              <a:t>8/3/2023</a:t>
             </a:fld>
             <a:endParaRPr lang="en-US"/>
           </a:p>
@@ -2412,7 +2412,7 @@
           <a:p>
             <a:fld id="{E0703A55-4804-C745-AE9A-57701EF14D3E}" type="datetimeFigureOut">
               <a:rPr lang="en-US" smtClean="0"/>
-              <a:t>8/2/23</a:t>
+              <a:t>8/3/2023</a:t>
             </a:fld>
             <a:endParaRPr lang="en-US"/>
           </a:p>
@@ -2781,7 +2781,7 @@
           <a:p>
             <a:fld id="{E0703A55-4804-C745-AE9A-57701EF14D3E}" type="datetimeFigureOut">
               <a:rPr lang="en-US" smtClean="0"/>
-              <a:t>8/2/23</a:t>
+              <a:t>8/3/2023</a:t>
             </a:fld>
             <a:endParaRPr lang="en-US"/>
           </a:p>
@@ -3150,7 +3150,7 @@
           <a:p>
             <a:fld id="{E0703A55-4804-C745-AE9A-57701EF14D3E}" type="datetimeFigureOut">
               <a:rPr lang="en-US" smtClean="0"/>
-              <a:t>8/2/23</a:t>
+              <a:t>8/3/2023</a:t>
             </a:fld>
             <a:endParaRPr lang="en-US"/>
           </a:p>
@@ -3409,7 +3409,7 @@
           <a:p>
             <a:fld id="{E0703A55-4804-C745-AE9A-57701EF14D3E}" type="datetimeFigureOut">
               <a:rPr lang="en-US" smtClean="0"/>
-              <a:t>8/2/23</a:t>
+              <a:t>8/3/2023</a:t>
             </a:fld>
             <a:endParaRPr lang="en-US"/>
           </a:p>
@@ -5440,7 +5440,7 @@
         </p:spPr>
         <p:txBody>
           <a:bodyPr>
-            <a:normAutofit fontScale="70000" lnSpcReduction="20000"/>
+            <a:normAutofit fontScale="62500" lnSpcReduction="20000"/>
           </a:bodyPr>
           <a:lstStyle/>
           <a:p>
@@ -5464,7 +5464,7 @@
           <a:p>
             <a:r>
               <a:rPr lang="en-US" dirty="0"/>
-              <a:t>Based on our machining learning model we were able to predict the price and found that TV model type tends to have the biggest impact on price. </a:t>
+              <a:t>Based on our machining learning model we were able to predict the price and found that TV model type tends to have the biggest impact on price with , an R-squared score of 0.8013 indicates that approximately 80.13% of the variance in the target variable (TV prices) is explained by the model using the input features (TV_Type, TV_Pixels, Brand) and 0.8817 for model using Scaled feature</a:t>
             </a:r>
           </a:p>
           <a:p>
